--- a/Netflix_Data_Analysis_Presentation.pptx
+++ b/Netflix_Data_Analysis_Presentation.pptx
@@ -8,13 +8,17 @@
     <p:sldId id="267" r:id="rId2"/>
     <p:sldId id="257" r:id="rId3"/>
     <p:sldId id="258" r:id="rId4"/>
-    <p:sldId id="259" r:id="rId5"/>
-    <p:sldId id="260" r:id="rId6"/>
-    <p:sldId id="261" r:id="rId7"/>
-    <p:sldId id="262" r:id="rId8"/>
+    <p:sldId id="271" r:id="rId5"/>
+    <p:sldId id="259" r:id="rId6"/>
+    <p:sldId id="268" r:id="rId7"/>
+    <p:sldId id="269" r:id="rId8"/>
     <p:sldId id="263" r:id="rId9"/>
-    <p:sldId id="264" r:id="rId10"/>
+    <p:sldId id="270" r:id="rId10"/>
     <p:sldId id="265" r:id="rId11"/>
+    <p:sldId id="260" r:id="rId12"/>
+    <p:sldId id="261" r:id="rId13"/>
+    <p:sldId id="262" r:id="rId14"/>
+    <p:sldId id="264" r:id="rId15"/>
   </p:sldIdLst>
   <p:sldSz cx="12192000" cy="6858000"/>
   <p:notesSz cx="6858000" cy="9144000"/>
@@ -313,7 +317,7 @@
           <a:p>
             <a:fld id="{5BCAD085-E8A6-8845-BD4E-CB4CCA059FC4}" type="datetimeFigureOut">
               <a:rPr lang="en-US" smtClean="0"/>
-              <a:t>2/22/2025</a:t>
+              <a:t>2/28/2025</a:t>
             </a:fld>
             <a:endParaRPr lang="en-US"/>
           </a:p>
@@ -483,7 +487,7 @@
           <a:p>
             <a:fld id="{5BCAD085-E8A6-8845-BD4E-CB4CCA059FC4}" type="datetimeFigureOut">
               <a:rPr lang="en-US" smtClean="0"/>
-              <a:t>2/22/2025</a:t>
+              <a:t>2/28/2025</a:t>
             </a:fld>
             <a:endParaRPr lang="en-US"/>
           </a:p>
@@ -663,7 +667,7 @@
           <a:p>
             <a:fld id="{5BCAD085-E8A6-8845-BD4E-CB4CCA059FC4}" type="datetimeFigureOut">
               <a:rPr lang="en-US" smtClean="0"/>
-              <a:t>2/22/2025</a:t>
+              <a:t>2/28/2025</a:t>
             </a:fld>
             <a:endParaRPr lang="en-US"/>
           </a:p>
@@ -833,7 +837,7 @@
           <a:p>
             <a:fld id="{5BCAD085-E8A6-8845-BD4E-CB4CCA059FC4}" type="datetimeFigureOut">
               <a:rPr lang="en-US" smtClean="0"/>
-              <a:t>2/22/2025</a:t>
+              <a:t>2/28/2025</a:t>
             </a:fld>
             <a:endParaRPr lang="en-US"/>
           </a:p>
@@ -1079,7 +1083,7 @@
           <a:p>
             <a:fld id="{5BCAD085-E8A6-8845-BD4E-CB4CCA059FC4}" type="datetimeFigureOut">
               <a:rPr lang="en-US" smtClean="0"/>
-              <a:t>2/22/2025</a:t>
+              <a:t>2/28/2025</a:t>
             </a:fld>
             <a:endParaRPr lang="en-US"/>
           </a:p>
@@ -1367,7 +1371,7 @@
           <a:p>
             <a:fld id="{5BCAD085-E8A6-8845-BD4E-CB4CCA059FC4}" type="datetimeFigureOut">
               <a:rPr lang="en-US" smtClean="0"/>
-              <a:t>2/22/2025</a:t>
+              <a:t>2/28/2025</a:t>
             </a:fld>
             <a:endParaRPr lang="en-US"/>
           </a:p>
@@ -1789,7 +1793,7 @@
           <a:p>
             <a:fld id="{5BCAD085-E8A6-8845-BD4E-CB4CCA059FC4}" type="datetimeFigureOut">
               <a:rPr lang="en-US" smtClean="0"/>
-              <a:t>2/22/2025</a:t>
+              <a:t>2/28/2025</a:t>
             </a:fld>
             <a:endParaRPr lang="en-US"/>
           </a:p>
@@ -1907,7 +1911,7 @@
           <a:p>
             <a:fld id="{5BCAD085-E8A6-8845-BD4E-CB4CCA059FC4}" type="datetimeFigureOut">
               <a:rPr lang="en-US" smtClean="0"/>
-              <a:t>2/22/2025</a:t>
+              <a:t>2/28/2025</a:t>
             </a:fld>
             <a:endParaRPr lang="en-US"/>
           </a:p>
@@ -2002,7 +2006,7 @@
           <a:p>
             <a:fld id="{5BCAD085-E8A6-8845-BD4E-CB4CCA059FC4}" type="datetimeFigureOut">
               <a:rPr lang="en-US" smtClean="0"/>
-              <a:t>2/22/2025</a:t>
+              <a:t>2/28/2025</a:t>
             </a:fld>
             <a:endParaRPr lang="en-US"/>
           </a:p>
@@ -2279,7 +2283,7 @@
           <a:p>
             <a:fld id="{5BCAD085-E8A6-8845-BD4E-CB4CCA059FC4}" type="datetimeFigureOut">
               <a:rPr lang="en-US" smtClean="0"/>
-              <a:t>2/22/2025</a:t>
+              <a:t>2/28/2025</a:t>
             </a:fld>
             <a:endParaRPr lang="en-US"/>
           </a:p>
@@ -2532,7 +2536,7 @@
           <a:p>
             <a:fld id="{5BCAD085-E8A6-8845-BD4E-CB4CCA059FC4}" type="datetimeFigureOut">
               <a:rPr lang="en-US" smtClean="0"/>
-              <a:t>2/22/2025</a:t>
+              <a:t>2/28/2025</a:t>
             </a:fld>
             <a:endParaRPr lang="en-US"/>
           </a:p>
@@ -2754,7 +2758,7 @@
           <a:p>
             <a:fld id="{5BCAD085-E8A6-8845-BD4E-CB4CCA059FC4}" type="datetimeFigureOut">
               <a:rPr lang="en-US" smtClean="0"/>
-              <a:t>2/22/2025</a:t>
+              <a:t>2/28/2025</a:t>
             </a:fld>
             <a:endParaRPr lang="en-US"/>
           </a:p>
@@ -3436,7 +3440,7 @@
                 <a:latin typeface="Adobe Gurmukhi" panose="01010101010101010101" pitchFamily="50" charset="0"/>
                 <a:cs typeface="Adobe Gurmukhi" panose="01010101010101010101" pitchFamily="50" charset="0"/>
               </a:rPr>
-              <a:t>Your Name &amp; Date</a:t>
+              <a:t>-Subhapratha</a:t>
             </a:r>
             <a:endParaRPr lang="en-US" sz="2000" dirty="0">
               <a:solidFill>
@@ -3458,6 +3462,13 @@
   <p:clrMapOvr>
     <a:masterClrMapping/>
   </p:clrMapOvr>
+  <p:timing>
+    <p:tnLst>
+      <p:par>
+        <p:cTn id="1" dur="indefinite" restart="never" nodeType="tmRoot"/>
+      </p:par>
+    </p:tnLst>
+  </p:timing>
 </p:sld>
 </file>
 
@@ -3494,58 +3505,160 @@
           <a:lstStyle/>
           <a:p>
             <a:r>
+              <a:rPr b="1" dirty="0">
+                <a:solidFill>
+                  <a:schemeClr val="bg1"/>
+                </a:solidFill>
+                <a:latin typeface="Adobe Gurmukhi" panose="01010101010101010101" pitchFamily="50" charset="0"/>
+                <a:cs typeface="Adobe Gurmukhi" panose="01010101010101010101" pitchFamily="50" charset="0"/>
+              </a:rPr>
+              <a:t>Conclusion &amp; Q&amp;A</a:t>
+            </a:r>
+          </a:p>
+        </p:txBody>
+      </p:sp>
+      <p:sp>
+        <p:nvSpPr>
+          <p:cNvPr id="3" name="Content Placeholder 2"/>
+          <p:cNvSpPr>
+            <a:spLocks noGrp="1"/>
+          </p:cNvSpPr>
+          <p:nvPr>
+            <p:ph idx="1"/>
+          </p:nvPr>
+        </p:nvSpPr>
+        <p:spPr>
+          <a:xfrm>
+            <a:off x="2616740" y="1600201"/>
+            <a:ext cx="8965660" cy="4525963"/>
+          </a:xfrm>
+        </p:spPr>
+        <p:txBody>
+          <a:bodyPr/>
+          <a:lstStyle/>
+          <a:p>
+            <a:r>
+              <a:rPr dirty="0" smtClean="0">
+                <a:solidFill>
+                  <a:schemeClr val="bg1"/>
+                </a:solidFill>
+                <a:latin typeface="Adobe Gurmukhi" panose="01010101010101010101" pitchFamily="50" charset="0"/>
+                <a:cs typeface="Adobe Gurmukhi" panose="01010101010101010101" pitchFamily="50" charset="0"/>
+              </a:rPr>
+              <a:t>Summary </a:t>
+            </a:r>
+            <a:r>
               <a:rPr dirty="0">
                 <a:solidFill>
                   <a:schemeClr val="bg1"/>
                 </a:solidFill>
-              </a:rPr>
-              <a:t>Conclusion &amp; Q&amp;A</a:t>
-            </a:r>
-          </a:p>
-        </p:txBody>
-      </p:sp>
-      <p:sp>
-        <p:nvSpPr>
-          <p:cNvPr id="3" name="Content Placeholder 2"/>
-          <p:cNvSpPr>
-            <a:spLocks noGrp="1"/>
-          </p:cNvSpPr>
-          <p:nvPr>
-            <p:ph idx="1"/>
-          </p:nvPr>
-        </p:nvSpPr>
-        <p:spPr/>
-        <p:txBody>
-          <a:bodyPr/>
-          <a:lstStyle/>
-          <a:p>
+                <a:latin typeface="Adobe Gurmukhi" panose="01010101010101010101" pitchFamily="50" charset="0"/>
+                <a:cs typeface="Adobe Gurmukhi" panose="01010101010101010101" pitchFamily="50" charset="0"/>
+              </a:rPr>
+              <a:t>of </a:t>
+            </a:r>
+            <a:r>
+              <a:rPr dirty="0" smtClean="0">
+                <a:solidFill>
+                  <a:schemeClr val="bg1"/>
+                </a:solidFill>
+                <a:latin typeface="Adobe Gurmukhi" panose="01010101010101010101" pitchFamily="50" charset="0"/>
+                <a:cs typeface="Adobe Gurmukhi" panose="01010101010101010101" pitchFamily="50" charset="0"/>
+              </a:rPr>
+              <a:t>Findings</a:t>
+            </a:r>
+            <a:r>
+              <a:rPr lang="en-US" dirty="0" smtClean="0">
+                <a:solidFill>
+                  <a:schemeClr val="bg1"/>
+                </a:solidFill>
+                <a:latin typeface="Adobe Gurmukhi" panose="01010101010101010101" pitchFamily="50" charset="0"/>
+                <a:cs typeface="Adobe Gurmukhi" panose="01010101010101010101" pitchFamily="50" charset="0"/>
+              </a:rPr>
+              <a:t>:</a:t>
+            </a:r>
+            <a:endParaRPr dirty="0">
+              <a:solidFill>
+                <a:schemeClr val="bg1"/>
+              </a:solidFill>
+              <a:latin typeface="Adobe Gurmukhi" panose="01010101010101010101" pitchFamily="50" charset="0"/>
+              <a:cs typeface="Adobe Gurmukhi" panose="01010101010101010101" pitchFamily="50" charset="0"/>
+            </a:endParaRPr>
+          </a:p>
+          <a:p>
+            <a:pPr lvl="1"/>
+            <a:r>
+              <a:rPr lang="en-US" dirty="0">
+                <a:solidFill>
+                  <a:schemeClr val="bg1"/>
+                </a:solidFill>
+                <a:latin typeface="Adobe Gurmukhi" panose="01010101010101010101" pitchFamily="50" charset="0"/>
+                <a:cs typeface="Adobe Gurmukhi" panose="01010101010101010101" pitchFamily="50" charset="0"/>
+              </a:rPr>
+              <a:t>USA has the highest number of Netflix titles.</a:t>
+            </a:r>
+          </a:p>
+          <a:p>
+            <a:pPr lvl="1"/>
+            <a:r>
+              <a:rPr lang="en-US" dirty="0">
+                <a:solidFill>
+                  <a:schemeClr val="bg1"/>
+                </a:solidFill>
+                <a:latin typeface="Adobe Gurmukhi" panose="01010101010101010101" pitchFamily="50" charset="0"/>
+                <a:cs typeface="Adobe Gurmukhi" panose="01010101010101010101" pitchFamily="50" charset="0"/>
+              </a:rPr>
+              <a:t>TV-MA is the most common content rating.</a:t>
+            </a:r>
+          </a:p>
+          <a:p>
+            <a:pPr lvl="1"/>
+            <a:r>
+              <a:rPr lang="en-US" dirty="0">
+                <a:solidFill>
+                  <a:schemeClr val="bg1"/>
+                </a:solidFill>
+                <a:latin typeface="Adobe Gurmukhi" panose="01010101010101010101" pitchFamily="50" charset="0"/>
+                <a:cs typeface="Adobe Gurmukhi" panose="01010101010101010101" pitchFamily="50" charset="0"/>
+              </a:rPr>
+              <a:t>Growth in Netflix content peaked around 2018-2020.</a:t>
+            </a:r>
+          </a:p>
+          <a:p>
+            <a:pPr marL="0" indent="0">
+              <a:buNone/>
+            </a:pPr>
+            <a:endParaRPr lang="en-US" dirty="0" smtClean="0">
+              <a:solidFill>
+                <a:schemeClr val="bg1"/>
+              </a:solidFill>
+              <a:latin typeface="Adobe Gurmukhi" panose="01010101010101010101" pitchFamily="50" charset="0"/>
+              <a:cs typeface="Adobe Gurmukhi" panose="01010101010101010101" pitchFamily="50" charset="0"/>
+            </a:endParaRPr>
+          </a:p>
+          <a:p>
+            <a:pPr marL="0" indent="0">
+              <a:buNone/>
+            </a:pPr>
+            <a:r>
+              <a:rPr dirty="0" smtClean="0">
+                <a:solidFill>
+                  <a:schemeClr val="bg1"/>
+                </a:solidFill>
+                <a:latin typeface="Adobe Gurmukhi" panose="01010101010101010101" pitchFamily="50" charset="0"/>
+                <a:cs typeface="Adobe Gurmukhi" panose="01010101010101010101" pitchFamily="50" charset="0"/>
+              </a:rPr>
+              <a:t>Thank </a:t>
+            </a:r>
             <a:r>
               <a:rPr dirty="0">
                 <a:solidFill>
                   <a:schemeClr val="bg1"/>
                 </a:solidFill>
-              </a:rPr>
-              <a:t>- Summary of Findings</a:t>
-            </a:r>
-          </a:p>
-          <a:p>
-            <a:r>
-              <a:rPr dirty="0">
-                <a:solidFill>
-                  <a:schemeClr val="bg1"/>
-                </a:solidFill>
-              </a:rPr>
-              <a:t>- Next Steps: Possible future improvements (e.g., machine learning for content recommendations)</a:t>
-            </a:r>
-          </a:p>
-          <a:p>
-            <a:r>
-              <a:rPr dirty="0">
-                <a:solidFill>
-                  <a:schemeClr val="bg1"/>
-                </a:solidFill>
-              </a:rPr>
-              <a:t>- Thank You! Any Questions?</a:t>
+                <a:latin typeface="Adobe Gurmukhi" panose="01010101010101010101" pitchFamily="50" charset="0"/>
+                <a:cs typeface="Adobe Gurmukhi" panose="01010101010101010101" pitchFamily="50" charset="0"/>
+              </a:rPr>
+              <a:t>You! Any Questions?</a:t>
             </a:r>
           </a:p>
         </p:txBody>
@@ -3555,6 +3668,844 @@
   <p:clrMapOvr>
     <a:masterClrMapping/>
   </p:clrMapOvr>
+  <p:timing>
+    <p:tnLst>
+      <p:par>
+        <p:cTn id="1" dur="indefinite" restart="never" nodeType="tmRoot"/>
+      </p:par>
+    </p:tnLst>
+  </p:timing>
+</p:sld>
+</file>
+
+<file path=ppt/slides/slide11.xml><?xml version="1.0" encoding="utf-8"?>
+<p:sld xmlns:a="http://schemas.openxmlformats.org/drawingml/2006/main" xmlns:r="http://schemas.openxmlformats.org/officeDocument/2006/relationships" xmlns:p="http://schemas.openxmlformats.org/presentationml/2006/main" show="0">
+  <p:cSld>
+    <p:spTree>
+      <p:nvGrpSpPr>
+        <p:cNvPr id="1" name=""/>
+        <p:cNvGrpSpPr/>
+        <p:nvPr/>
+      </p:nvGrpSpPr>
+      <p:grpSpPr>
+        <a:xfrm>
+          <a:off x="0" y="0"/>
+          <a:ext cx="0" cy="0"/>
+          <a:chOff x="0" y="0"/>
+          <a:chExt cx="0" cy="0"/>
+        </a:xfrm>
+      </p:grpSpPr>
+      <p:sp>
+        <p:nvSpPr>
+          <p:cNvPr id="2" name="Title 1"/>
+          <p:cNvSpPr>
+            <a:spLocks noGrp="1"/>
+          </p:cNvSpPr>
+          <p:nvPr>
+            <p:ph type="title"/>
+          </p:nvPr>
+        </p:nvSpPr>
+        <p:spPr/>
+        <p:txBody>
+          <a:bodyPr/>
+          <a:lstStyle/>
+          <a:p>
+            <a:r>
+              <a:rPr b="1" dirty="0">
+                <a:solidFill>
+                  <a:schemeClr val="bg1"/>
+                </a:solidFill>
+                <a:latin typeface="Adobe Gurmukhi" panose="01010101010101010101" pitchFamily="50" charset="0"/>
+                <a:cs typeface="Adobe Gurmukhi" panose="01010101010101010101" pitchFamily="50" charset="0"/>
+              </a:rPr>
+              <a:t>Shows Based on Country</a:t>
+            </a:r>
+          </a:p>
+        </p:txBody>
+      </p:sp>
+      <p:sp>
+        <p:nvSpPr>
+          <p:cNvPr id="3" name="Content Placeholder 2"/>
+          <p:cNvSpPr>
+            <a:spLocks noGrp="1"/>
+          </p:cNvSpPr>
+          <p:nvPr>
+            <p:ph idx="1"/>
+          </p:nvPr>
+        </p:nvSpPr>
+        <p:spPr>
+          <a:xfrm>
+            <a:off x="2490280" y="1600201"/>
+            <a:ext cx="9092119" cy="4525963"/>
+          </a:xfrm>
+        </p:spPr>
+        <p:txBody>
+          <a:bodyPr/>
+          <a:lstStyle/>
+          <a:p>
+            <a:r>
+              <a:rPr b="1" dirty="0" smtClean="0">
+                <a:solidFill>
+                  <a:schemeClr val="bg1"/>
+                </a:solidFill>
+                <a:latin typeface="Adobe Gurmukhi" panose="01010101010101010101" pitchFamily="50" charset="0"/>
+                <a:cs typeface="Adobe Gurmukhi" panose="01010101010101010101" pitchFamily="50" charset="0"/>
+              </a:rPr>
+              <a:t>Objective</a:t>
+            </a:r>
+            <a:r>
+              <a:rPr b="1" dirty="0">
+                <a:solidFill>
+                  <a:schemeClr val="bg1"/>
+                </a:solidFill>
+                <a:latin typeface="Adobe Gurmukhi" panose="01010101010101010101" pitchFamily="50" charset="0"/>
+                <a:cs typeface="Adobe Gurmukhi" panose="01010101010101010101" pitchFamily="50" charset="0"/>
+              </a:rPr>
+              <a:t>: </a:t>
+            </a:r>
+            <a:r>
+              <a:rPr dirty="0">
+                <a:solidFill>
+                  <a:schemeClr val="bg1"/>
+                </a:solidFill>
+                <a:latin typeface="Adobe Gurmukhi" panose="01010101010101010101" pitchFamily="50" charset="0"/>
+                <a:cs typeface="Adobe Gurmukhi" panose="01010101010101010101" pitchFamily="50" charset="0"/>
+              </a:rPr>
+              <a:t>Identify the distribution of shows by country</a:t>
+            </a:r>
+          </a:p>
+          <a:p>
+            <a:r>
+              <a:rPr b="1" dirty="0" smtClean="0">
+                <a:solidFill>
+                  <a:schemeClr val="bg1"/>
+                </a:solidFill>
+                <a:latin typeface="Adobe Gurmukhi" panose="01010101010101010101" pitchFamily="50" charset="0"/>
+                <a:cs typeface="Adobe Gurmukhi" panose="01010101010101010101" pitchFamily="50" charset="0"/>
+              </a:rPr>
+              <a:t>Visualization</a:t>
+            </a:r>
+            <a:r>
+              <a:rPr b="1" dirty="0">
+                <a:solidFill>
+                  <a:schemeClr val="bg1"/>
+                </a:solidFill>
+                <a:latin typeface="Adobe Gurmukhi" panose="01010101010101010101" pitchFamily="50" charset="0"/>
+                <a:cs typeface="Adobe Gurmukhi" panose="01010101010101010101" pitchFamily="50" charset="0"/>
+              </a:rPr>
+              <a:t>: </a:t>
+            </a:r>
+            <a:r>
+              <a:rPr dirty="0">
+                <a:solidFill>
+                  <a:schemeClr val="bg1"/>
+                </a:solidFill>
+                <a:latin typeface="Adobe Gurmukhi" panose="01010101010101010101" pitchFamily="50" charset="0"/>
+                <a:cs typeface="Adobe Gurmukhi" panose="01010101010101010101" pitchFamily="50" charset="0"/>
+              </a:rPr>
+              <a:t>Interactive world map highlighting content volume by country</a:t>
+            </a:r>
+          </a:p>
+          <a:p>
+            <a:r>
+              <a:rPr b="1" dirty="0" smtClean="0">
+                <a:solidFill>
+                  <a:schemeClr val="bg1"/>
+                </a:solidFill>
+                <a:latin typeface="Adobe Gurmukhi" panose="01010101010101010101" pitchFamily="50" charset="0"/>
+                <a:cs typeface="Adobe Gurmukhi" panose="01010101010101010101" pitchFamily="50" charset="0"/>
+              </a:rPr>
+              <a:t>Insights:</a:t>
+            </a:r>
+            <a:endParaRPr lang="en-US" b="1" dirty="0" smtClean="0">
+              <a:solidFill>
+                <a:schemeClr val="bg1"/>
+              </a:solidFill>
+              <a:latin typeface="Adobe Gurmukhi" panose="01010101010101010101" pitchFamily="50" charset="0"/>
+              <a:cs typeface="Adobe Gurmukhi" panose="01010101010101010101" pitchFamily="50" charset="0"/>
+            </a:endParaRPr>
+          </a:p>
+          <a:p>
+            <a:pPr lvl="1"/>
+            <a:r>
+              <a:rPr dirty="0" smtClean="0">
+                <a:solidFill>
+                  <a:schemeClr val="bg1"/>
+                </a:solidFill>
+                <a:latin typeface="Adobe Gurmukhi" panose="01010101010101010101" pitchFamily="50" charset="0"/>
+                <a:cs typeface="Adobe Gurmukhi" panose="01010101010101010101" pitchFamily="50" charset="0"/>
+              </a:rPr>
+              <a:t>Identify </a:t>
+            </a:r>
+            <a:r>
+              <a:rPr dirty="0">
+                <a:solidFill>
+                  <a:schemeClr val="bg1"/>
+                </a:solidFill>
+                <a:latin typeface="Adobe Gurmukhi" panose="01010101010101010101" pitchFamily="50" charset="0"/>
+                <a:cs typeface="Adobe Gurmukhi" panose="01010101010101010101" pitchFamily="50" charset="0"/>
+              </a:rPr>
+              <a:t>top content-contributing </a:t>
+            </a:r>
+            <a:r>
+              <a:rPr dirty="0" smtClean="0">
+                <a:solidFill>
+                  <a:schemeClr val="bg1"/>
+                </a:solidFill>
+                <a:latin typeface="Adobe Gurmukhi" panose="01010101010101010101" pitchFamily="50" charset="0"/>
+                <a:cs typeface="Adobe Gurmukhi" panose="01010101010101010101" pitchFamily="50" charset="0"/>
+              </a:rPr>
+              <a:t>countries</a:t>
+            </a:r>
+            <a:endParaRPr lang="en-US" dirty="0">
+              <a:solidFill>
+                <a:schemeClr val="bg1"/>
+              </a:solidFill>
+              <a:latin typeface="Adobe Gurmukhi" panose="01010101010101010101" pitchFamily="50" charset="0"/>
+              <a:cs typeface="Adobe Gurmukhi" panose="01010101010101010101" pitchFamily="50" charset="0"/>
+            </a:endParaRPr>
+          </a:p>
+          <a:p>
+            <a:pPr lvl="1"/>
+            <a:r>
+              <a:rPr dirty="0" smtClean="0">
+                <a:solidFill>
+                  <a:schemeClr val="bg1"/>
+                </a:solidFill>
+                <a:latin typeface="Adobe Gurmukhi" panose="01010101010101010101" pitchFamily="50" charset="0"/>
+                <a:cs typeface="Adobe Gurmukhi" panose="01010101010101010101" pitchFamily="50" charset="0"/>
+              </a:rPr>
+              <a:t>Guide </a:t>
+            </a:r>
+            <a:r>
+              <a:rPr dirty="0">
+                <a:solidFill>
+                  <a:schemeClr val="bg1"/>
+                </a:solidFill>
+                <a:latin typeface="Adobe Gurmukhi" panose="01010101010101010101" pitchFamily="50" charset="0"/>
+                <a:cs typeface="Adobe Gurmukhi" panose="01010101010101010101" pitchFamily="50" charset="0"/>
+              </a:rPr>
+              <a:t>content acquisition and localization efforts</a:t>
+            </a:r>
+          </a:p>
+        </p:txBody>
+      </p:sp>
+    </p:spTree>
+  </p:cSld>
+  <p:clrMapOvr>
+    <a:masterClrMapping/>
+  </p:clrMapOvr>
+  <mc:AlternateContent xmlns:mc="http://schemas.openxmlformats.org/markup-compatibility/2006" xmlns:p14="http://schemas.microsoft.com/office/powerpoint/2010/main">
+    <mc:Choice Requires="p14">
+      <p:transition spd="slow" p14:dur="2000"/>
+    </mc:Choice>
+    <mc:Fallback xmlns="">
+      <p:transition spd="slow"/>
+    </mc:Fallback>
+  </mc:AlternateContent>
+  <p:timing>
+    <p:tnLst>
+      <p:par>
+        <p:cTn id="1" dur="indefinite" restart="never" nodeType="tmRoot"/>
+      </p:par>
+    </p:tnLst>
+  </p:timing>
+</p:sld>
+</file>
+
+<file path=ppt/slides/slide12.xml><?xml version="1.0" encoding="utf-8"?>
+<p:sld xmlns:a="http://schemas.openxmlformats.org/drawingml/2006/main" xmlns:r="http://schemas.openxmlformats.org/officeDocument/2006/relationships" xmlns:p="http://schemas.openxmlformats.org/presentationml/2006/main" show="0">
+  <p:cSld>
+    <p:spTree>
+      <p:nvGrpSpPr>
+        <p:cNvPr id="1" name=""/>
+        <p:cNvGrpSpPr/>
+        <p:nvPr/>
+      </p:nvGrpSpPr>
+      <p:grpSpPr>
+        <a:xfrm>
+          <a:off x="0" y="0"/>
+          <a:ext cx="0" cy="0"/>
+          <a:chOff x="0" y="0"/>
+          <a:chExt cx="0" cy="0"/>
+        </a:xfrm>
+      </p:grpSpPr>
+      <p:sp>
+        <p:nvSpPr>
+          <p:cNvPr id="2" name="Title 1"/>
+          <p:cNvSpPr>
+            <a:spLocks noGrp="1"/>
+          </p:cNvSpPr>
+          <p:nvPr>
+            <p:ph type="title"/>
+          </p:nvPr>
+        </p:nvSpPr>
+        <p:spPr/>
+        <p:txBody>
+          <a:bodyPr/>
+          <a:lstStyle/>
+          <a:p>
+            <a:r>
+              <a:rPr b="1" dirty="0">
+                <a:solidFill>
+                  <a:schemeClr val="bg1"/>
+                </a:solidFill>
+                <a:latin typeface="Adobe Gurmukhi" panose="01010101010101010101" pitchFamily="50" charset="0"/>
+                <a:cs typeface="Adobe Gurmukhi" panose="01010101010101010101" pitchFamily="50" charset="0"/>
+              </a:rPr>
+              <a:t>Content Evolution Over Time</a:t>
+            </a:r>
+          </a:p>
+        </p:txBody>
+      </p:sp>
+      <p:sp>
+        <p:nvSpPr>
+          <p:cNvPr id="3" name="Content Placeholder 2"/>
+          <p:cNvSpPr>
+            <a:spLocks noGrp="1"/>
+          </p:cNvSpPr>
+          <p:nvPr>
+            <p:ph idx="1"/>
+          </p:nvPr>
+        </p:nvSpPr>
+        <p:spPr>
+          <a:xfrm>
+            <a:off x="2568102" y="1600201"/>
+            <a:ext cx="9014298" cy="4525963"/>
+          </a:xfrm>
+        </p:spPr>
+        <p:txBody>
+          <a:bodyPr/>
+          <a:lstStyle/>
+          <a:p>
+            <a:r>
+              <a:rPr lang="en-US" dirty="0">
+                <a:solidFill>
+                  <a:schemeClr val="bg1"/>
+                </a:solidFill>
+                <a:latin typeface="Adobe Gurmukhi" panose="01010101010101010101" pitchFamily="50" charset="0"/>
+                <a:cs typeface="Adobe Gurmukhi" panose="01010101010101010101" pitchFamily="50" charset="0"/>
+              </a:rPr>
+              <a:t>	</a:t>
+            </a:r>
+            <a:r>
+              <a:rPr b="1" dirty="0" smtClean="0">
+                <a:solidFill>
+                  <a:schemeClr val="bg1"/>
+                </a:solidFill>
+                <a:latin typeface="Adobe Gurmukhi" panose="01010101010101010101" pitchFamily="50" charset="0"/>
+                <a:cs typeface="Adobe Gurmukhi" panose="01010101010101010101" pitchFamily="50" charset="0"/>
+              </a:rPr>
+              <a:t>Objective</a:t>
+            </a:r>
+            <a:r>
+              <a:rPr b="1" dirty="0">
+                <a:solidFill>
+                  <a:schemeClr val="bg1"/>
+                </a:solidFill>
+                <a:latin typeface="Adobe Gurmukhi" panose="01010101010101010101" pitchFamily="50" charset="0"/>
+                <a:cs typeface="Adobe Gurmukhi" panose="01010101010101010101" pitchFamily="50" charset="0"/>
+              </a:rPr>
+              <a:t>: </a:t>
+            </a:r>
+            <a:r>
+              <a:rPr dirty="0">
+                <a:solidFill>
+                  <a:schemeClr val="bg1"/>
+                </a:solidFill>
+                <a:latin typeface="Adobe Gurmukhi" panose="01010101010101010101" pitchFamily="50" charset="0"/>
+                <a:cs typeface="Adobe Gurmukhi" panose="01010101010101010101" pitchFamily="50" charset="0"/>
+              </a:rPr>
+              <a:t>Understand the number of shows/movies released per </a:t>
+            </a:r>
+            <a:r>
+              <a:rPr dirty="0" smtClean="0">
+                <a:solidFill>
+                  <a:schemeClr val="bg1"/>
+                </a:solidFill>
+                <a:latin typeface="Adobe Gurmukhi" panose="01010101010101010101" pitchFamily="50" charset="0"/>
+                <a:cs typeface="Adobe Gurmukhi" panose="01010101010101010101" pitchFamily="50" charset="0"/>
+              </a:rPr>
+              <a:t>year</a:t>
+            </a:r>
+            <a:endParaRPr lang="en-US" dirty="0" smtClean="0">
+              <a:solidFill>
+                <a:schemeClr val="bg1"/>
+              </a:solidFill>
+              <a:latin typeface="Adobe Gurmukhi" panose="01010101010101010101" pitchFamily="50" charset="0"/>
+              <a:cs typeface="Adobe Gurmukhi" panose="01010101010101010101" pitchFamily="50" charset="0"/>
+            </a:endParaRPr>
+          </a:p>
+          <a:p>
+            <a:r>
+              <a:rPr b="1" dirty="0" smtClean="0">
+                <a:solidFill>
+                  <a:schemeClr val="bg1"/>
+                </a:solidFill>
+                <a:latin typeface="Adobe Gurmukhi" panose="01010101010101010101" pitchFamily="50" charset="0"/>
+                <a:cs typeface="Adobe Gurmukhi" panose="01010101010101010101" pitchFamily="50" charset="0"/>
+              </a:rPr>
+              <a:t>Visualization</a:t>
+            </a:r>
+            <a:r>
+              <a:rPr b="1" dirty="0">
+                <a:solidFill>
+                  <a:schemeClr val="bg1"/>
+                </a:solidFill>
+                <a:latin typeface="Adobe Gurmukhi" panose="01010101010101010101" pitchFamily="50" charset="0"/>
+                <a:cs typeface="Adobe Gurmukhi" panose="01010101010101010101" pitchFamily="50" charset="0"/>
+              </a:rPr>
+              <a:t>: </a:t>
+            </a:r>
+            <a:r>
+              <a:rPr dirty="0">
+                <a:solidFill>
+                  <a:schemeClr val="bg1"/>
+                </a:solidFill>
+                <a:latin typeface="Adobe Gurmukhi" panose="01010101010101010101" pitchFamily="50" charset="0"/>
+                <a:cs typeface="Adobe Gurmukhi" panose="01010101010101010101" pitchFamily="50" charset="0"/>
+              </a:rPr>
+              <a:t>Time-series chart of content release trends</a:t>
+            </a:r>
+          </a:p>
+          <a:p>
+            <a:r>
+              <a:rPr b="1" dirty="0" smtClean="0">
+                <a:solidFill>
+                  <a:schemeClr val="bg1"/>
+                </a:solidFill>
+                <a:latin typeface="Adobe Gurmukhi" panose="01010101010101010101" pitchFamily="50" charset="0"/>
+                <a:cs typeface="Adobe Gurmukhi" panose="01010101010101010101" pitchFamily="50" charset="0"/>
+              </a:rPr>
+              <a:t>Insights</a:t>
+            </a:r>
+            <a:r>
+              <a:rPr b="1" dirty="0">
+                <a:solidFill>
+                  <a:schemeClr val="bg1"/>
+                </a:solidFill>
+                <a:latin typeface="Adobe Gurmukhi" panose="01010101010101010101" pitchFamily="50" charset="0"/>
+                <a:cs typeface="Adobe Gurmukhi" panose="01010101010101010101" pitchFamily="50" charset="0"/>
+              </a:rPr>
+              <a:t>:</a:t>
+            </a:r>
+          </a:p>
+          <a:p>
+            <a:pPr lvl="1"/>
+            <a:r>
+              <a:rPr dirty="0" smtClean="0">
+                <a:solidFill>
+                  <a:schemeClr val="bg1"/>
+                </a:solidFill>
+                <a:latin typeface="Adobe Gurmukhi" panose="01010101010101010101" pitchFamily="50" charset="0"/>
+                <a:cs typeface="Adobe Gurmukhi" panose="01010101010101010101" pitchFamily="50" charset="0"/>
+              </a:rPr>
+              <a:t>Peak </a:t>
+            </a:r>
+            <a:r>
+              <a:rPr dirty="0">
+                <a:solidFill>
+                  <a:schemeClr val="bg1"/>
+                </a:solidFill>
+                <a:latin typeface="Adobe Gurmukhi" panose="01010101010101010101" pitchFamily="50" charset="0"/>
+                <a:cs typeface="Adobe Gurmukhi" panose="01010101010101010101" pitchFamily="50" charset="0"/>
+              </a:rPr>
+              <a:t>content release years</a:t>
+            </a:r>
+          </a:p>
+          <a:p>
+            <a:pPr lvl="1"/>
+            <a:r>
+              <a:rPr dirty="0" smtClean="0">
+                <a:solidFill>
+                  <a:schemeClr val="bg1"/>
+                </a:solidFill>
+                <a:latin typeface="Adobe Gurmukhi" panose="01010101010101010101" pitchFamily="50" charset="0"/>
+                <a:cs typeface="Adobe Gurmukhi" panose="01010101010101010101" pitchFamily="50" charset="0"/>
+              </a:rPr>
+              <a:t>Changes </a:t>
+            </a:r>
+            <a:r>
+              <a:rPr dirty="0">
+                <a:solidFill>
+                  <a:schemeClr val="bg1"/>
+                </a:solidFill>
+                <a:latin typeface="Adobe Gurmukhi" panose="01010101010101010101" pitchFamily="50" charset="0"/>
+                <a:cs typeface="Adobe Gurmukhi" panose="01010101010101010101" pitchFamily="50" charset="0"/>
+              </a:rPr>
+              <a:t>in production trends over time</a:t>
+            </a:r>
+          </a:p>
+          <a:p>
+            <a:pPr lvl="1"/>
+            <a:r>
+              <a:rPr dirty="0" smtClean="0">
+                <a:solidFill>
+                  <a:schemeClr val="bg1"/>
+                </a:solidFill>
+                <a:latin typeface="Adobe Gurmukhi" panose="01010101010101010101" pitchFamily="50" charset="0"/>
+                <a:cs typeface="Adobe Gurmukhi" panose="01010101010101010101" pitchFamily="50" charset="0"/>
+              </a:rPr>
+              <a:t>Forecasting </a:t>
+            </a:r>
+            <a:r>
+              <a:rPr dirty="0">
+                <a:solidFill>
+                  <a:schemeClr val="bg1"/>
+                </a:solidFill>
+                <a:latin typeface="Adobe Gurmukhi" panose="01010101010101010101" pitchFamily="50" charset="0"/>
+                <a:cs typeface="Adobe Gurmukhi" panose="01010101010101010101" pitchFamily="50" charset="0"/>
+              </a:rPr>
+              <a:t>future content strategies</a:t>
+            </a:r>
+          </a:p>
+        </p:txBody>
+      </p:sp>
+    </p:spTree>
+  </p:cSld>
+  <p:clrMapOvr>
+    <a:masterClrMapping/>
+  </p:clrMapOvr>
+  <mc:AlternateContent xmlns:mc="http://schemas.openxmlformats.org/markup-compatibility/2006" xmlns:p14="http://schemas.microsoft.com/office/powerpoint/2010/main">
+    <mc:Choice Requires="p14">
+      <p:transition spd="slow" p14:dur="2000"/>
+    </mc:Choice>
+    <mc:Fallback xmlns="">
+      <p:transition spd="slow"/>
+    </mc:Fallback>
+  </mc:AlternateContent>
+</p:sld>
+</file>
+
+<file path=ppt/slides/slide13.xml><?xml version="1.0" encoding="utf-8"?>
+<p:sld xmlns:a="http://schemas.openxmlformats.org/drawingml/2006/main" xmlns:r="http://schemas.openxmlformats.org/officeDocument/2006/relationships" xmlns:p="http://schemas.openxmlformats.org/presentationml/2006/main" show="0">
+  <p:cSld>
+    <p:spTree>
+      <p:nvGrpSpPr>
+        <p:cNvPr id="1" name=""/>
+        <p:cNvGrpSpPr/>
+        <p:nvPr/>
+      </p:nvGrpSpPr>
+      <p:grpSpPr>
+        <a:xfrm>
+          <a:off x="0" y="0"/>
+          <a:ext cx="0" cy="0"/>
+          <a:chOff x="0" y="0"/>
+          <a:chExt cx="0" cy="0"/>
+        </a:xfrm>
+      </p:grpSpPr>
+      <p:sp>
+        <p:nvSpPr>
+          <p:cNvPr id="2" name="Title 1"/>
+          <p:cNvSpPr>
+            <a:spLocks noGrp="1"/>
+          </p:cNvSpPr>
+          <p:nvPr>
+            <p:ph type="title"/>
+          </p:nvPr>
+        </p:nvSpPr>
+        <p:spPr/>
+        <p:txBody>
+          <a:bodyPr/>
+          <a:lstStyle/>
+          <a:p>
+            <a:r>
+              <a:rPr b="1" dirty="0">
+                <a:solidFill>
+                  <a:schemeClr val="bg1"/>
+                </a:solidFill>
+              </a:rPr>
+              <a:t>Genre Popularity Analysis</a:t>
+            </a:r>
+          </a:p>
+        </p:txBody>
+      </p:sp>
+      <p:sp>
+        <p:nvSpPr>
+          <p:cNvPr id="3" name="Content Placeholder 2"/>
+          <p:cNvSpPr>
+            <a:spLocks noGrp="1"/>
+          </p:cNvSpPr>
+          <p:nvPr>
+            <p:ph idx="1"/>
+          </p:nvPr>
+        </p:nvSpPr>
+        <p:spPr/>
+        <p:txBody>
+          <a:bodyPr/>
+          <a:lstStyle/>
+          <a:p>
+            <a:r>
+              <a:rPr b="1" dirty="0" smtClean="0">
+                <a:solidFill>
+                  <a:schemeClr val="bg1"/>
+                </a:solidFill>
+              </a:rPr>
+              <a:t>Objective</a:t>
+            </a:r>
+            <a:r>
+              <a:rPr b="1" dirty="0">
+                <a:solidFill>
+                  <a:schemeClr val="bg1"/>
+                </a:solidFill>
+              </a:rPr>
+              <a:t>: </a:t>
+            </a:r>
+            <a:r>
+              <a:rPr dirty="0">
+                <a:solidFill>
+                  <a:schemeClr val="bg1"/>
+                </a:solidFill>
+              </a:rPr>
+              <a:t>Identify the most-watched and available genres</a:t>
+            </a:r>
+          </a:p>
+          <a:p>
+            <a:r>
+              <a:rPr b="1" dirty="0" smtClean="0">
+                <a:solidFill>
+                  <a:schemeClr val="bg1"/>
+                </a:solidFill>
+              </a:rPr>
+              <a:t>Visualization</a:t>
+            </a:r>
+            <a:r>
+              <a:rPr b="1" dirty="0">
+                <a:solidFill>
+                  <a:schemeClr val="bg1"/>
+                </a:solidFill>
+              </a:rPr>
+              <a:t>: </a:t>
+            </a:r>
+            <a:r>
+              <a:rPr dirty="0">
+                <a:solidFill>
+                  <a:schemeClr val="bg1"/>
+                </a:solidFill>
+              </a:rPr>
+              <a:t>Pie chart or bar graph showing genre distribution</a:t>
+            </a:r>
+          </a:p>
+          <a:p>
+            <a:r>
+              <a:rPr b="1" dirty="0" smtClean="0">
+                <a:solidFill>
+                  <a:schemeClr val="bg1"/>
+                </a:solidFill>
+              </a:rPr>
+              <a:t>Insights</a:t>
+            </a:r>
+            <a:r>
+              <a:rPr b="1" dirty="0">
+                <a:solidFill>
+                  <a:schemeClr val="bg1"/>
+                </a:solidFill>
+              </a:rPr>
+              <a:t>:</a:t>
+            </a:r>
+          </a:p>
+          <a:p>
+            <a:pPr lvl="1"/>
+            <a:r>
+              <a:rPr dirty="0" smtClean="0">
+                <a:solidFill>
+                  <a:schemeClr val="bg1"/>
+                </a:solidFill>
+              </a:rPr>
+              <a:t>Most </a:t>
+            </a:r>
+            <a:r>
+              <a:rPr dirty="0">
+                <a:solidFill>
+                  <a:schemeClr val="bg1"/>
+                </a:solidFill>
+              </a:rPr>
+              <a:t>popular genres based on availability</a:t>
+            </a:r>
+          </a:p>
+          <a:p>
+            <a:pPr lvl="1"/>
+            <a:r>
+              <a:rPr dirty="0" smtClean="0">
+                <a:solidFill>
+                  <a:schemeClr val="bg1"/>
+                </a:solidFill>
+              </a:rPr>
+              <a:t>Helps </a:t>
+            </a:r>
+            <a:r>
+              <a:rPr dirty="0">
+                <a:solidFill>
+                  <a:schemeClr val="bg1"/>
+                </a:solidFill>
+              </a:rPr>
+              <a:t>in content acquisition and recommendations</a:t>
+            </a:r>
+          </a:p>
+        </p:txBody>
+      </p:sp>
+    </p:spTree>
+  </p:cSld>
+  <p:clrMapOvr>
+    <a:masterClrMapping/>
+  </p:clrMapOvr>
+  <mc:AlternateContent xmlns:mc="http://schemas.openxmlformats.org/markup-compatibility/2006" xmlns:p14="http://schemas.microsoft.com/office/powerpoint/2010/main">
+    <mc:Choice Requires="p14">
+      <p:transition spd="slow" p14:dur="2000"/>
+    </mc:Choice>
+    <mc:Fallback xmlns="">
+      <p:transition spd="slow"/>
+    </mc:Fallback>
+  </mc:AlternateContent>
+</p:sld>
+</file>
+
+<file path=ppt/slides/slide14.xml><?xml version="1.0" encoding="utf-8"?>
+<p:sld xmlns:a="http://schemas.openxmlformats.org/drawingml/2006/main" xmlns:r="http://schemas.openxmlformats.org/officeDocument/2006/relationships" xmlns:p="http://schemas.openxmlformats.org/presentationml/2006/main" show="0">
+  <p:cSld>
+    <p:spTree>
+      <p:nvGrpSpPr>
+        <p:cNvPr id="1" name=""/>
+        <p:cNvGrpSpPr/>
+        <p:nvPr/>
+      </p:nvGrpSpPr>
+      <p:grpSpPr>
+        <a:xfrm>
+          <a:off x="0" y="0"/>
+          <a:ext cx="0" cy="0"/>
+          <a:chOff x="0" y="0"/>
+          <a:chExt cx="0" cy="0"/>
+        </a:xfrm>
+      </p:grpSpPr>
+      <p:sp>
+        <p:nvSpPr>
+          <p:cNvPr id="2" name="Title 1"/>
+          <p:cNvSpPr>
+            <a:spLocks noGrp="1"/>
+          </p:cNvSpPr>
+          <p:nvPr>
+            <p:ph type="title"/>
+          </p:nvPr>
+        </p:nvSpPr>
+        <p:spPr/>
+        <p:txBody>
+          <a:bodyPr>
+            <a:normAutofit/>
+          </a:bodyPr>
+          <a:lstStyle/>
+          <a:p>
+            <a:r>
+              <a:rPr b="1" dirty="0">
+                <a:solidFill>
+                  <a:schemeClr val="bg1"/>
+                </a:solidFill>
+              </a:rPr>
+              <a:t>Key Insights &amp; Business Impact</a:t>
+            </a:r>
+          </a:p>
+        </p:txBody>
+      </p:sp>
+      <p:sp>
+        <p:nvSpPr>
+          <p:cNvPr id="3" name="Content Placeholder 2"/>
+          <p:cNvSpPr>
+            <a:spLocks noGrp="1"/>
+          </p:cNvSpPr>
+          <p:nvPr>
+            <p:ph idx="1"/>
+          </p:nvPr>
+        </p:nvSpPr>
+        <p:spPr/>
+        <p:txBody>
+          <a:bodyPr>
+            <a:normAutofit lnSpcReduction="10000"/>
+          </a:bodyPr>
+          <a:lstStyle/>
+          <a:p>
+            <a:r>
+              <a:rPr dirty="0">
+                <a:solidFill>
+                  <a:schemeClr val="bg1"/>
+                </a:solidFill>
+              </a:rPr>
+              <a:t>- Major Findings:</a:t>
+            </a:r>
+          </a:p>
+          <a:p>
+            <a:r>
+              <a:rPr dirty="0">
+                <a:solidFill>
+                  <a:schemeClr val="bg1"/>
+                </a:solidFill>
+              </a:rPr>
+              <a:t>  • Content is highly concentrated in specific regions</a:t>
+            </a:r>
+          </a:p>
+          <a:p>
+            <a:r>
+              <a:rPr dirty="0">
+                <a:solidFill>
+                  <a:schemeClr val="bg1"/>
+                </a:solidFill>
+              </a:rPr>
+              <a:t>  • Increasing demand for certain genres</a:t>
+            </a:r>
+          </a:p>
+          <a:p>
+            <a:r>
+              <a:rPr dirty="0">
+                <a:solidFill>
+                  <a:schemeClr val="bg1"/>
+                </a:solidFill>
+              </a:rPr>
+              <a:t>  • Significant shifts in content production over time</a:t>
+            </a:r>
+          </a:p>
+          <a:p>
+            <a:r>
+              <a:rPr dirty="0">
+                <a:solidFill>
+                  <a:schemeClr val="bg1"/>
+                </a:solidFill>
+              </a:rPr>
+              <a:t>- Impact:</a:t>
+            </a:r>
+          </a:p>
+          <a:p>
+            <a:r>
+              <a:rPr dirty="0">
+                <a:solidFill>
+                  <a:schemeClr val="bg1"/>
+                </a:solidFill>
+              </a:rPr>
+              <a:t>  • Supports Netflix in making data-driven content investments</a:t>
+            </a:r>
+          </a:p>
+          <a:p>
+            <a:r>
+              <a:rPr dirty="0">
+                <a:solidFill>
+                  <a:schemeClr val="bg1"/>
+                </a:solidFill>
+              </a:rPr>
+              <a:t>  • Enhances user engagement through targeted content strategies</a:t>
+            </a:r>
+          </a:p>
+        </p:txBody>
+      </p:sp>
+    </p:spTree>
+  </p:cSld>
+  <p:clrMapOvr>
+    <a:masterClrMapping/>
+  </p:clrMapOvr>
+  <mc:AlternateContent xmlns:mc="http://schemas.openxmlformats.org/markup-compatibility/2006" xmlns:p14="http://schemas.microsoft.com/office/powerpoint/2010/main">
+    <mc:Choice Requires="p14">
+      <p:transition spd="slow" p14:dur="2000"/>
+    </mc:Choice>
+    <mc:Fallback xmlns="">
+      <p:transition spd="slow"/>
+    </mc:Fallback>
+  </mc:AlternateContent>
 </p:sld>
 </file>
 
@@ -3626,101 +4577,17 @@
           <a:lstStyle/>
           <a:p>
             <a:r>
-              <a:rPr sz="2800" b="1" dirty="0" smtClean="0">
-                <a:solidFill>
-                  <a:schemeClr val="bg1"/>
-                </a:solidFill>
-                <a:latin typeface="Adobe Gurmukhi" panose="01010101010101010101" pitchFamily="50" charset="0"/>
-                <a:cs typeface="Adobe Gurmukhi" panose="01010101010101010101" pitchFamily="50" charset="0"/>
-              </a:rPr>
-              <a:t>Problem </a:t>
-            </a:r>
-            <a:r>
-              <a:rPr sz="2800" b="1" dirty="0">
-                <a:solidFill>
-                  <a:schemeClr val="bg1"/>
-                </a:solidFill>
-                <a:latin typeface="Adobe Gurmukhi" panose="01010101010101010101" pitchFamily="50" charset="0"/>
-                <a:cs typeface="Adobe Gurmukhi" panose="01010101010101010101" pitchFamily="50" charset="0"/>
-              </a:rPr>
-              <a:t>Statement: </a:t>
-            </a:r>
-            <a:r>
-              <a:rPr sz="2800" dirty="0">
-                <a:solidFill>
-                  <a:schemeClr val="bg1"/>
-                </a:solidFill>
-                <a:latin typeface="Adobe Gurmukhi" panose="01010101010101010101" pitchFamily="50" charset="0"/>
-                <a:cs typeface="Adobe Gurmukhi" panose="01010101010101010101" pitchFamily="50" charset="0"/>
-              </a:rPr>
-              <a:t>Understanding Netflix’s content distribution, trends, and genre popularity</a:t>
-            </a:r>
-          </a:p>
-          <a:p>
-            <a:r>
-              <a:rPr sz="2800" b="1" dirty="0" smtClean="0">
-                <a:solidFill>
-                  <a:schemeClr val="bg1"/>
-                </a:solidFill>
-                <a:latin typeface="Adobe Gurmukhi" panose="01010101010101010101" pitchFamily="50" charset="0"/>
-                <a:cs typeface="Adobe Gurmukhi" panose="01010101010101010101" pitchFamily="50" charset="0"/>
-              </a:rPr>
-              <a:t>Objective</a:t>
-            </a:r>
-            <a:r>
-              <a:rPr sz="2800" b="1" dirty="0">
-                <a:solidFill>
-                  <a:schemeClr val="bg1"/>
-                </a:solidFill>
-                <a:latin typeface="Adobe Gurmukhi" panose="01010101010101010101" pitchFamily="50" charset="0"/>
-                <a:cs typeface="Adobe Gurmukhi" panose="01010101010101010101" pitchFamily="50" charset="0"/>
-              </a:rPr>
-              <a:t>: </a:t>
-            </a:r>
-            <a:r>
-              <a:rPr sz="2800" dirty="0">
-                <a:solidFill>
-                  <a:schemeClr val="bg1"/>
-                </a:solidFill>
-                <a:latin typeface="Adobe Gurmukhi" panose="01010101010101010101" pitchFamily="50" charset="0"/>
-                <a:cs typeface="Adobe Gurmukhi" panose="01010101010101010101" pitchFamily="50" charset="0"/>
-              </a:rPr>
-              <a:t>Develop an interactive dashboard to support strategic decision-making</a:t>
-            </a:r>
-          </a:p>
-          <a:p>
-            <a:r>
-              <a:rPr sz="2800" b="1" dirty="0" smtClean="0">
-                <a:solidFill>
-                  <a:schemeClr val="bg1"/>
-                </a:solidFill>
-                <a:latin typeface="Adobe Gurmukhi" panose="01010101010101010101" pitchFamily="50" charset="0"/>
-                <a:cs typeface="Adobe Gurmukhi" panose="01010101010101010101" pitchFamily="50" charset="0"/>
-              </a:rPr>
-              <a:t>Tools </a:t>
-            </a:r>
-            <a:r>
-              <a:rPr sz="2800" b="1" dirty="0">
-                <a:solidFill>
-                  <a:schemeClr val="bg1"/>
-                </a:solidFill>
-                <a:latin typeface="Adobe Gurmukhi" panose="01010101010101010101" pitchFamily="50" charset="0"/>
-                <a:cs typeface="Adobe Gurmukhi" panose="01010101010101010101" pitchFamily="50" charset="0"/>
-              </a:rPr>
-              <a:t>Used: </a:t>
-            </a:r>
-            <a:r>
-              <a:rPr sz="2800" dirty="0">
-                <a:solidFill>
-                  <a:schemeClr val="bg1"/>
-                </a:solidFill>
-                <a:latin typeface="Adobe Gurmukhi" panose="01010101010101010101" pitchFamily="50" charset="0"/>
-                <a:cs typeface="Adobe Gurmukhi" panose="01010101010101010101" pitchFamily="50" charset="0"/>
-              </a:rPr>
-              <a:t>Power BI, Power Automate, </a:t>
-            </a:r>
-            <a:r>
-              <a:rPr sz="2800" dirty="0" err="1">
+              <a:rPr lang="en-US" sz="2800" dirty="0">
+                <a:solidFill>
+                  <a:schemeClr val="bg1"/>
+                </a:solidFill>
+                <a:latin typeface="Adobe Gurmukhi" panose="01010101010101010101" pitchFamily="50" charset="0"/>
+                <a:cs typeface="Adobe Gurmukhi" panose="01010101010101010101" pitchFamily="50" charset="0"/>
+              </a:rPr>
+              <a:t>This project integrates Power BI, </a:t>
+            </a:r>
+            <a:r>
+              <a:rPr lang="en-US" sz="2800" dirty="0" err="1">
                 <a:solidFill>
                   <a:schemeClr val="bg1"/>
                 </a:solidFill>
@@ -3729,13 +4596,16 @@
               </a:rPr>
               <a:t>PowerApps</a:t>
             </a:r>
-            <a:endParaRPr sz="2800" dirty="0">
-              <a:solidFill>
-                <a:schemeClr val="bg1"/>
-              </a:solidFill>
-              <a:latin typeface="Adobe Gurmukhi" panose="01010101010101010101" pitchFamily="50" charset="0"/>
-              <a:cs typeface="Adobe Gurmukhi" panose="01010101010101010101" pitchFamily="50" charset="0"/>
-            </a:endParaRPr>
+            <a:r>
+              <a:rPr lang="en-US" sz="2800" dirty="0">
+                <a:solidFill>
+                  <a:schemeClr val="bg1"/>
+                </a:solidFill>
+                <a:latin typeface="Adobe Gurmukhi" panose="01010101010101010101" pitchFamily="50" charset="0"/>
+                <a:cs typeface="Adobe Gurmukhi" panose="01010101010101010101" pitchFamily="50" charset="0"/>
+              </a:rPr>
+              <a:t>, and Power Automate to analyze Netflix data, enhance user interaction, and automate reporting.</a:t>
+            </a:r>
           </a:p>
         </p:txBody>
       </p:sp>
@@ -3744,6 +4614,13 @@
   <p:clrMapOvr>
     <a:masterClrMapping/>
   </p:clrMapOvr>
+  <p:timing>
+    <p:tnLst>
+      <p:par>
+        <p:cTn id="1" dur="indefinite" restart="never" nodeType="tmRoot"/>
+      </p:par>
+    </p:tnLst>
+  </p:timing>
 </p:sld>
 </file>
 
@@ -3815,7 +4692,7 @@
           <a:lstStyle/>
           <a:p>
             <a:r>
-              <a:rPr dirty="0" smtClean="0">
+              <a:rPr b="1" dirty="0" smtClean="0">
                 <a:solidFill>
                   <a:schemeClr val="bg1"/>
                 </a:solidFill>
@@ -3825,6 +4702,16 @@
               <a:t>Data </a:t>
             </a:r>
             <a:r>
+              <a:rPr b="1" dirty="0">
+                <a:solidFill>
+                  <a:schemeClr val="bg1"/>
+                </a:solidFill>
+                <a:latin typeface="Adobe Gurmukhi" panose="01010101010101010101" pitchFamily="50" charset="0"/>
+                <a:cs typeface="Adobe Gurmukhi" panose="01010101010101010101" pitchFamily="50" charset="0"/>
+              </a:rPr>
+              <a:t>Source: </a:t>
+            </a:r>
+            <a:r>
               <a:rPr dirty="0">
                 <a:solidFill>
                   <a:schemeClr val="bg1"/>
@@ -3832,7 +4719,7 @@
                 <a:latin typeface="Adobe Gurmukhi" panose="01010101010101010101" pitchFamily="50" charset="0"/>
                 <a:cs typeface="Adobe Gurmukhi" panose="01010101010101010101" pitchFamily="50" charset="0"/>
               </a:rPr>
-              <a:t>Source: Netflix dataset </a:t>
+              <a:t>Netflix dataset </a:t>
             </a:r>
             <a:endParaRPr lang="en-US" dirty="0" smtClean="0">
               <a:solidFill>
@@ -3844,7 +4731,7 @@
           </a:p>
           <a:p>
             <a:r>
-              <a:rPr dirty="0" smtClean="0">
+              <a:rPr b="1" dirty="0" smtClean="0">
                 <a:solidFill>
                   <a:schemeClr val="bg1"/>
                 </a:solidFill>
@@ -3853,7 +4740,7 @@
               </a:rPr>
               <a:t>Key Features:</a:t>
             </a:r>
-            <a:endParaRPr lang="en-US" dirty="0" smtClean="0">
+            <a:endParaRPr lang="en-US" b="1" dirty="0" smtClean="0">
               <a:solidFill>
                 <a:schemeClr val="bg1"/>
               </a:solidFill>
@@ -3966,7 +4853,7 @@
           </a:p>
           <a:p>
             <a:r>
-              <a:rPr dirty="0" smtClean="0">
+              <a:rPr b="1" dirty="0" smtClean="0">
                 <a:solidFill>
                   <a:schemeClr val="bg1"/>
                 </a:solidFill>
@@ -3976,7 +4863,7 @@
               <a:t>Purpose </a:t>
             </a:r>
             <a:r>
-              <a:rPr dirty="0">
+              <a:rPr b="1" dirty="0">
                 <a:solidFill>
                   <a:schemeClr val="bg1"/>
                 </a:solidFill>
@@ -4092,6 +4979,13 @@
   <p:clrMapOvr>
     <a:masterClrMapping/>
   </p:clrMapOvr>
+  <p:timing>
+    <p:tnLst>
+      <p:par>
+        <p:cTn id="1" dur="indefinite" restart="never" nodeType="tmRoot"/>
+      </p:par>
+    </p:tnLst>
+  </p:timing>
 </p:sld>
 </file>
 
@@ -4128,71 +5022,16 @@
           <a:lstStyle/>
           <a:p>
             <a:r>
-              <a:rPr dirty="0">
-                <a:solidFill>
-                  <a:schemeClr val="bg1"/>
-                </a:solidFill>
-                <a:latin typeface="Adobe Gurmukhi" panose="01010101010101010101" pitchFamily="50" charset="0"/>
-                <a:cs typeface="Adobe Gurmukhi" panose="01010101010101010101" pitchFamily="50" charset="0"/>
-              </a:rPr>
-              <a:t>Power BI Implementation</a:t>
-            </a:r>
-          </a:p>
-        </p:txBody>
-      </p:sp>
-      <p:sp>
-        <p:nvSpPr>
-          <p:cNvPr id="3" name="Content Placeholder 2"/>
-          <p:cNvSpPr>
-            <a:spLocks noGrp="1"/>
-          </p:cNvSpPr>
-          <p:nvPr>
-            <p:ph idx="1"/>
-          </p:nvPr>
-        </p:nvSpPr>
-        <p:spPr>
-          <a:xfrm>
-            <a:off x="2558374" y="1600201"/>
-            <a:ext cx="9024026" cy="4525963"/>
-          </a:xfrm>
-        </p:spPr>
-        <p:txBody>
-          <a:bodyPr>
-            <a:normAutofit/>
-          </a:bodyPr>
-          <a:lstStyle/>
-          <a:p>
-            <a:r>
-              <a:rPr dirty="0" smtClean="0">
-                <a:solidFill>
-                  <a:schemeClr val="bg1"/>
-                </a:solidFill>
-                <a:latin typeface="Adobe Gurmukhi" panose="01010101010101010101" pitchFamily="50" charset="0"/>
-                <a:cs typeface="Adobe Gurmukhi" panose="01010101010101010101" pitchFamily="50" charset="0"/>
-              </a:rPr>
-              <a:t>Data </a:t>
-            </a:r>
-            <a:r>
-              <a:rPr dirty="0">
-                <a:solidFill>
-                  <a:schemeClr val="bg1"/>
-                </a:solidFill>
-                <a:latin typeface="Adobe Gurmukhi" panose="01010101010101010101" pitchFamily="50" charset="0"/>
-                <a:cs typeface="Adobe Gurmukhi" panose="01010101010101010101" pitchFamily="50" charset="0"/>
-              </a:rPr>
-              <a:t>Preparation</a:t>
-            </a:r>
-            <a:r>
-              <a:rPr dirty="0" smtClean="0">
-                <a:solidFill>
-                  <a:schemeClr val="bg1"/>
-                </a:solidFill>
-                <a:latin typeface="Adobe Gurmukhi" panose="01010101010101010101" pitchFamily="50" charset="0"/>
-                <a:cs typeface="Adobe Gurmukhi" panose="01010101010101010101" pitchFamily="50" charset="0"/>
-              </a:rPr>
-              <a:t>:</a:t>
-            </a:r>
-            <a:endParaRPr lang="en-US" dirty="0" smtClean="0">
+              <a:rPr lang="en-US" b="1" dirty="0" smtClean="0">
+                <a:solidFill>
+                  <a:schemeClr val="bg1"/>
+                </a:solidFill>
+                <a:latin typeface="Adobe Gurmukhi" panose="01010101010101010101" pitchFamily="50" charset="0"/>
+                <a:cs typeface="Adobe Gurmukhi" panose="01010101010101010101" pitchFamily="50" charset="0"/>
+              </a:rPr>
+              <a:t>Data Preparation</a:t>
+            </a:r>
+            <a:endParaRPr lang="en-IN" b="1" dirty="0">
               <a:solidFill>
                 <a:schemeClr val="bg1"/>
               </a:solidFill>
@@ -4200,39 +5039,98 @@
               <a:cs typeface="Adobe Gurmukhi" panose="01010101010101010101" pitchFamily="50" charset="0"/>
             </a:endParaRPr>
           </a:p>
-          <a:p>
-            <a:pPr lvl="1"/>
-            <a:r>
-              <a:rPr dirty="0" smtClean="0">
-                <a:solidFill>
-                  <a:schemeClr val="bg1"/>
-                </a:solidFill>
-                <a:latin typeface="Adobe Gurmukhi" panose="01010101010101010101" pitchFamily="50" charset="0"/>
-                <a:cs typeface="Adobe Gurmukhi" panose="01010101010101010101" pitchFamily="50" charset="0"/>
-              </a:rPr>
-              <a:t> </a:t>
-            </a:r>
-            <a:r>
-              <a:rPr dirty="0">
-                <a:solidFill>
-                  <a:schemeClr val="bg1"/>
-                </a:solidFill>
-                <a:latin typeface="Adobe Gurmukhi" panose="01010101010101010101" pitchFamily="50" charset="0"/>
-                <a:cs typeface="Adobe Gurmukhi" panose="01010101010101010101" pitchFamily="50" charset="0"/>
-              </a:rPr>
-              <a:t>Data cleaning and transformation (handling null values, standardizing </a:t>
-            </a:r>
-            <a:r>
-              <a:rPr dirty="0" smtClean="0">
-                <a:solidFill>
-                  <a:schemeClr val="bg1"/>
-                </a:solidFill>
-                <a:latin typeface="Adobe Gurmukhi" panose="01010101010101010101" pitchFamily="50" charset="0"/>
-                <a:cs typeface="Adobe Gurmukhi" panose="01010101010101010101" pitchFamily="50" charset="0"/>
-              </a:rPr>
-              <a:t>formats)</a:t>
-            </a:r>
-            <a:endParaRPr lang="en-US" dirty="0">
+        </p:txBody>
+      </p:sp>
+      <p:sp>
+        <p:nvSpPr>
+          <p:cNvPr id="3" name="Content Placeholder 2"/>
+          <p:cNvSpPr>
+            <a:spLocks noGrp="1"/>
+          </p:cNvSpPr>
+          <p:nvPr>
+            <p:ph idx="1"/>
+          </p:nvPr>
+        </p:nvSpPr>
+        <p:spPr>
+          <a:xfrm>
+            <a:off x="2645922" y="1600201"/>
+            <a:ext cx="8936477" cy="4525963"/>
+          </a:xfrm>
+        </p:spPr>
+        <p:txBody>
+          <a:bodyPr/>
+          <a:lstStyle/>
+          <a:p>
+            <a:r>
+              <a:rPr lang="en-US" b="1" dirty="0" smtClean="0">
+                <a:solidFill>
+                  <a:schemeClr val="bg1"/>
+                </a:solidFill>
+                <a:latin typeface="Adobe Gurmukhi" panose="01010101010101010101" pitchFamily="50" charset="0"/>
+                <a:cs typeface="Adobe Gurmukhi" panose="01010101010101010101" pitchFamily="50" charset="0"/>
+              </a:rPr>
+              <a:t>Data Source: </a:t>
+            </a:r>
+            <a:r>
+              <a:rPr lang="en-US" dirty="0" smtClean="0">
+                <a:solidFill>
+                  <a:schemeClr val="bg1"/>
+                </a:solidFill>
+                <a:latin typeface="Adobe Gurmukhi" panose="01010101010101010101" pitchFamily="50" charset="0"/>
+                <a:cs typeface="Adobe Gurmukhi" panose="01010101010101010101" pitchFamily="50" charset="0"/>
+              </a:rPr>
+              <a:t>CSV file imported into Power BI</a:t>
+            </a:r>
+          </a:p>
+          <a:p>
+            <a:r>
+              <a:rPr lang="en-US" b="1" dirty="0" smtClean="0">
+                <a:solidFill>
+                  <a:schemeClr val="bg1"/>
+                </a:solidFill>
+                <a:latin typeface="Adobe Gurmukhi" panose="01010101010101010101" pitchFamily="50" charset="0"/>
+                <a:cs typeface="Adobe Gurmukhi" panose="01010101010101010101" pitchFamily="50" charset="0"/>
+              </a:rPr>
+              <a:t>Splitting multi valued columns: </a:t>
+            </a:r>
+            <a:r>
+              <a:rPr lang="en-US" dirty="0" smtClean="0">
+                <a:solidFill>
+                  <a:schemeClr val="bg1"/>
+                </a:solidFill>
+                <a:latin typeface="Adobe Gurmukhi" panose="01010101010101010101" pitchFamily="50" charset="0"/>
+                <a:cs typeface="Adobe Gurmukhi" panose="01010101010101010101" pitchFamily="50" charset="0"/>
+              </a:rPr>
+              <a:t>Columns like Country, Genre, Cast had multiple values in a single cell which was separated into separate tables keeping Show ID as the primary key.</a:t>
+            </a:r>
+          </a:p>
+          <a:p>
+            <a:r>
+              <a:rPr lang="en-US" b="1" dirty="0" smtClean="0">
+                <a:solidFill>
+                  <a:schemeClr val="bg1"/>
+                </a:solidFill>
+                <a:latin typeface="Adobe Gurmukhi" panose="01010101010101010101" pitchFamily="50" charset="0"/>
+                <a:cs typeface="Adobe Gurmukhi" panose="01010101010101010101" pitchFamily="50" charset="0"/>
+              </a:rPr>
+              <a:t>Handling Missing and Inconsistent Data</a:t>
+            </a:r>
+            <a:r>
+              <a:rPr lang="en-US" dirty="0" smtClean="0">
+                <a:solidFill>
+                  <a:schemeClr val="bg1"/>
+                </a:solidFill>
+                <a:latin typeface="Adobe Gurmukhi" panose="01010101010101010101" pitchFamily="50" charset="0"/>
+                <a:cs typeface="Adobe Gurmukhi" panose="01010101010101010101" pitchFamily="50" charset="0"/>
+              </a:rPr>
+              <a:t>: Removed rows that had excessive missing values, removed duplicates, and ensured proper data types.</a:t>
+            </a:r>
+          </a:p>
+          <a:p>
+            <a:pPr marL="0" indent="0">
+              <a:buNone/>
+            </a:pPr>
+            <a:endParaRPr lang="en-IN" dirty="0">
               <a:solidFill>
                 <a:schemeClr val="bg1"/>
               </a:solidFill>
@@ -4240,127 +5138,25 @@
               <a:cs typeface="Adobe Gurmukhi" panose="01010101010101010101" pitchFamily="50" charset="0"/>
             </a:endParaRPr>
           </a:p>
-          <a:p>
-            <a:r>
-              <a:rPr dirty="0" smtClean="0">
-                <a:solidFill>
-                  <a:schemeClr val="bg1"/>
-                </a:solidFill>
-                <a:latin typeface="Adobe Gurmukhi" panose="01010101010101010101" pitchFamily="50" charset="0"/>
-                <a:cs typeface="Adobe Gurmukhi" panose="01010101010101010101" pitchFamily="50" charset="0"/>
-              </a:rPr>
-              <a:t>Visualizations </a:t>
-            </a:r>
-            <a:r>
-              <a:rPr dirty="0">
-                <a:solidFill>
-                  <a:schemeClr val="bg1"/>
-                </a:solidFill>
-                <a:latin typeface="Adobe Gurmukhi" panose="01010101010101010101" pitchFamily="50" charset="0"/>
-                <a:cs typeface="Adobe Gurmukhi" panose="01010101010101010101" pitchFamily="50" charset="0"/>
-              </a:rPr>
-              <a:t>Created:</a:t>
-            </a:r>
-          </a:p>
-          <a:p>
-            <a:pPr lvl="1"/>
-            <a:r>
-              <a:rPr dirty="0" smtClean="0">
-                <a:solidFill>
-                  <a:schemeClr val="bg1"/>
-                </a:solidFill>
-                <a:latin typeface="Adobe Gurmukhi" panose="01010101010101010101" pitchFamily="50" charset="0"/>
-                <a:cs typeface="Adobe Gurmukhi" panose="01010101010101010101" pitchFamily="50" charset="0"/>
-              </a:rPr>
-              <a:t>Shows </a:t>
-            </a:r>
-            <a:r>
-              <a:rPr dirty="0">
-                <a:solidFill>
-                  <a:schemeClr val="bg1"/>
-                </a:solidFill>
-                <a:latin typeface="Adobe Gurmukhi" panose="01010101010101010101" pitchFamily="50" charset="0"/>
-                <a:cs typeface="Adobe Gurmukhi" panose="01010101010101010101" pitchFamily="50" charset="0"/>
-              </a:rPr>
-              <a:t>by Country</a:t>
-            </a:r>
-          </a:p>
-          <a:p>
-            <a:pPr lvl="1"/>
-            <a:r>
-              <a:rPr dirty="0" smtClean="0">
-                <a:solidFill>
-                  <a:schemeClr val="bg1"/>
-                </a:solidFill>
-                <a:latin typeface="Adobe Gurmukhi" panose="01010101010101010101" pitchFamily="50" charset="0"/>
-                <a:cs typeface="Adobe Gurmukhi" panose="01010101010101010101" pitchFamily="50" charset="0"/>
-              </a:rPr>
-              <a:t>Content </a:t>
-            </a:r>
-            <a:r>
-              <a:rPr dirty="0">
-                <a:solidFill>
-                  <a:schemeClr val="bg1"/>
-                </a:solidFill>
-                <a:latin typeface="Adobe Gurmukhi" panose="01010101010101010101" pitchFamily="50" charset="0"/>
-                <a:cs typeface="Adobe Gurmukhi" panose="01010101010101010101" pitchFamily="50" charset="0"/>
-              </a:rPr>
-              <a:t>Trends Over Time</a:t>
-            </a:r>
-          </a:p>
-          <a:p>
-            <a:pPr lvl="1"/>
-            <a:r>
-              <a:rPr dirty="0" smtClean="0">
-                <a:solidFill>
-                  <a:schemeClr val="bg1"/>
-                </a:solidFill>
-                <a:latin typeface="Adobe Gurmukhi" panose="01010101010101010101" pitchFamily="50" charset="0"/>
-                <a:cs typeface="Adobe Gurmukhi" panose="01010101010101010101" pitchFamily="50" charset="0"/>
-              </a:rPr>
-              <a:t>Country-wise </a:t>
-            </a:r>
-            <a:r>
-              <a:rPr dirty="0">
-                <a:solidFill>
-                  <a:schemeClr val="bg1"/>
-                </a:solidFill>
-                <a:latin typeface="Adobe Gurmukhi" panose="01010101010101010101" pitchFamily="50" charset="0"/>
-                <a:cs typeface="Adobe Gurmukhi" panose="01010101010101010101" pitchFamily="50" charset="0"/>
-              </a:rPr>
-              <a:t>Content Distribution</a:t>
-            </a:r>
-          </a:p>
-          <a:p>
-            <a:pPr lvl="1"/>
-            <a:r>
-              <a:rPr dirty="0" smtClean="0">
-                <a:solidFill>
-                  <a:schemeClr val="bg1"/>
-                </a:solidFill>
-                <a:latin typeface="Adobe Gurmukhi" panose="01010101010101010101" pitchFamily="50" charset="0"/>
-                <a:cs typeface="Adobe Gurmukhi" panose="01010101010101010101" pitchFamily="50" charset="0"/>
-              </a:rPr>
-              <a:t>Top </a:t>
-            </a:r>
-            <a:r>
-              <a:rPr dirty="0">
-                <a:solidFill>
-                  <a:schemeClr val="bg1"/>
-                </a:solidFill>
-                <a:latin typeface="Adobe Gurmukhi" panose="01010101010101010101" pitchFamily="50" charset="0"/>
-                <a:cs typeface="Adobe Gurmukhi" panose="01010101010101010101" pitchFamily="50" charset="0"/>
-              </a:rPr>
-              <a:t>Genres</a:t>
-            </a:r>
-          </a:p>
         </p:txBody>
       </p:sp>
     </p:spTree>
+    <p:extLst>
+      <p:ext uri="{BB962C8B-B14F-4D97-AF65-F5344CB8AC3E}">
+        <p14:creationId xmlns:p14="http://schemas.microsoft.com/office/powerpoint/2010/main" val="1613894686"/>
+      </p:ext>
+    </p:extLst>
   </p:cSld>
   <p:clrMapOvr>
     <a:masterClrMapping/>
   </p:clrMapOvr>
+  <p:timing>
+    <p:tnLst>
+      <p:par>
+        <p:cTn id="1" dur="indefinite" restart="never" nodeType="tmRoot"/>
+      </p:par>
+    </p:tnLst>
+  </p:timing>
 </p:sld>
 </file>
 
@@ -4404,7 +5200,7 @@
                 <a:latin typeface="Adobe Gurmukhi" panose="01010101010101010101" pitchFamily="50" charset="0"/>
                 <a:cs typeface="Adobe Gurmukhi" panose="01010101010101010101" pitchFamily="50" charset="0"/>
               </a:rPr>
-              <a:t>Shows Based on Country</a:t>
+              <a:t>Power BI Implementation</a:t>
             </a:r>
           </a:p>
         </p:txBody>
@@ -4421,87 +5217,47 @@
         </p:nvSpPr>
         <p:spPr>
           <a:xfrm>
-            <a:off x="2490280" y="1600201"/>
-            <a:ext cx="9092119" cy="4525963"/>
+            <a:off x="2558374" y="1600201"/>
+            <a:ext cx="9024026" cy="4525963"/>
           </a:xfrm>
         </p:spPr>
         <p:txBody>
-          <a:bodyPr/>
-          <a:lstStyle/>
-          <a:p>
-            <a:r>
-              <a:rPr b="1" dirty="0" smtClean="0">
-                <a:solidFill>
-                  <a:schemeClr val="bg1"/>
-                </a:solidFill>
-                <a:latin typeface="Adobe Gurmukhi" panose="01010101010101010101" pitchFamily="50" charset="0"/>
-                <a:cs typeface="Adobe Gurmukhi" panose="01010101010101010101" pitchFamily="50" charset="0"/>
-              </a:rPr>
-              <a:t>Objective</a:t>
-            </a:r>
-            <a:r>
-              <a:rPr b="1" dirty="0">
-                <a:solidFill>
-                  <a:schemeClr val="bg1"/>
-                </a:solidFill>
-                <a:latin typeface="Adobe Gurmukhi" panose="01010101010101010101" pitchFamily="50" charset="0"/>
-                <a:cs typeface="Adobe Gurmukhi" panose="01010101010101010101" pitchFamily="50" charset="0"/>
-              </a:rPr>
-              <a:t>: </a:t>
-            </a:r>
-            <a:r>
-              <a:rPr dirty="0">
-                <a:solidFill>
-                  <a:schemeClr val="bg1"/>
-                </a:solidFill>
-                <a:latin typeface="Adobe Gurmukhi" panose="01010101010101010101" pitchFamily="50" charset="0"/>
-                <a:cs typeface="Adobe Gurmukhi" panose="01010101010101010101" pitchFamily="50" charset="0"/>
-              </a:rPr>
-              <a:t>Identify the distribution of shows by country</a:t>
-            </a:r>
-          </a:p>
-          <a:p>
-            <a:r>
-              <a:rPr b="1" dirty="0" smtClean="0">
-                <a:solidFill>
-                  <a:schemeClr val="bg1"/>
-                </a:solidFill>
-                <a:latin typeface="Adobe Gurmukhi" panose="01010101010101010101" pitchFamily="50" charset="0"/>
-                <a:cs typeface="Adobe Gurmukhi" panose="01010101010101010101" pitchFamily="50" charset="0"/>
-              </a:rPr>
-              <a:t>Visualization</a:t>
-            </a:r>
-            <a:r>
-              <a:rPr b="1" dirty="0">
-                <a:solidFill>
-                  <a:schemeClr val="bg1"/>
-                </a:solidFill>
-                <a:latin typeface="Adobe Gurmukhi" panose="01010101010101010101" pitchFamily="50" charset="0"/>
-                <a:cs typeface="Adobe Gurmukhi" panose="01010101010101010101" pitchFamily="50" charset="0"/>
-              </a:rPr>
-              <a:t>: </a:t>
-            </a:r>
-            <a:r>
-              <a:rPr dirty="0">
-                <a:solidFill>
-                  <a:schemeClr val="bg1"/>
-                </a:solidFill>
-                <a:latin typeface="Adobe Gurmukhi" panose="01010101010101010101" pitchFamily="50" charset="0"/>
-                <a:cs typeface="Adobe Gurmukhi" panose="01010101010101010101" pitchFamily="50" charset="0"/>
-              </a:rPr>
-              <a:t>Interactive world map highlighting content volume by country</a:t>
-            </a:r>
-          </a:p>
-          <a:p>
-            <a:r>
-              <a:rPr b="1" dirty="0" smtClean="0">
-                <a:solidFill>
-                  <a:schemeClr val="bg1"/>
-                </a:solidFill>
-                <a:latin typeface="Adobe Gurmukhi" panose="01010101010101010101" pitchFamily="50" charset="0"/>
-                <a:cs typeface="Adobe Gurmukhi" panose="01010101010101010101" pitchFamily="50" charset="0"/>
-              </a:rPr>
-              <a:t>Insights:</a:t>
+          <a:bodyPr>
+            <a:normAutofit fontScale="92500" lnSpcReduction="10000"/>
+          </a:bodyPr>
+          <a:lstStyle/>
+          <a:p>
+            <a:r>
+              <a:rPr lang="en-US" dirty="0">
+                <a:solidFill>
+                  <a:schemeClr val="bg1"/>
+                </a:solidFill>
+                <a:latin typeface="Adobe Gurmukhi" panose="01010101010101010101" pitchFamily="50" charset="0"/>
+                <a:cs typeface="Adobe Gurmukhi" panose="01010101010101010101" pitchFamily="50" charset="0"/>
+              </a:rPr>
+              <a:t>The cleaned dataset was imported into Power BI, where interactive visuals were created to analyze key </a:t>
+            </a:r>
+            <a:r>
+              <a:rPr lang="en-US" dirty="0" smtClean="0">
+                <a:solidFill>
+                  <a:schemeClr val="bg1"/>
+                </a:solidFill>
+                <a:latin typeface="Adobe Gurmukhi" panose="01010101010101010101" pitchFamily="50" charset="0"/>
+                <a:cs typeface="Adobe Gurmukhi" panose="01010101010101010101" pitchFamily="50" charset="0"/>
+              </a:rPr>
+              <a:t>metrics.</a:t>
+            </a:r>
+          </a:p>
+          <a:p>
+            <a:r>
+              <a:rPr lang="en-US" dirty="0" smtClean="0">
+                <a:solidFill>
+                  <a:schemeClr val="bg1"/>
+                </a:solidFill>
+                <a:latin typeface="Adobe Gurmukhi" panose="01010101010101010101" pitchFamily="50" charset="0"/>
+                <a:cs typeface="Adobe Gurmukhi" panose="01010101010101010101" pitchFamily="50" charset="0"/>
+              </a:rPr>
+              <a:t>Filters and slicers were added to enhance data exploration, allowing users to gain insights into trends, ratings, and regional distributions.</a:t>
             </a:r>
             <a:endParaRPr lang="en-US" b="1" dirty="0" smtClean="0">
               <a:solidFill>
@@ -4512,8 +5268,40 @@
             </a:endParaRPr>
           </a:p>
           <a:p>
+            <a:r>
+              <a:rPr b="1" dirty="0" smtClean="0">
+                <a:solidFill>
+                  <a:schemeClr val="bg1"/>
+                </a:solidFill>
+                <a:latin typeface="Adobe Gurmukhi" panose="01010101010101010101" pitchFamily="50" charset="0"/>
+                <a:cs typeface="Adobe Gurmukhi" panose="01010101010101010101" pitchFamily="50" charset="0"/>
+              </a:rPr>
+              <a:t>Visualizations </a:t>
+            </a:r>
+            <a:r>
+              <a:rPr b="1" dirty="0">
+                <a:solidFill>
+                  <a:schemeClr val="bg1"/>
+                </a:solidFill>
+                <a:latin typeface="Adobe Gurmukhi" panose="01010101010101010101" pitchFamily="50" charset="0"/>
+                <a:cs typeface="Adobe Gurmukhi" panose="01010101010101010101" pitchFamily="50" charset="0"/>
+              </a:rPr>
+              <a:t>Created:</a:t>
+            </a:r>
+          </a:p>
+          <a:p>
             <a:pPr lvl="1"/>
             <a:r>
+              <a:rPr lang="en-US" dirty="0" smtClean="0">
+                <a:solidFill>
+                  <a:schemeClr val="bg1"/>
+                </a:solidFill>
+                <a:latin typeface="Adobe Gurmukhi" panose="01010101010101010101" pitchFamily="50" charset="0"/>
+                <a:cs typeface="Adobe Gurmukhi" panose="01010101010101010101" pitchFamily="50" charset="0"/>
+              </a:rPr>
+              <a:t>Type </a:t>
+            </a:r>
+            <a:r>
               <a:rPr dirty="0" smtClean="0">
                 <a:solidFill>
                   <a:schemeClr val="bg1"/>
@@ -4521,7 +5309,7 @@
                 <a:latin typeface="Adobe Gurmukhi" panose="01010101010101010101" pitchFamily="50" charset="0"/>
                 <a:cs typeface="Adobe Gurmukhi" panose="01010101010101010101" pitchFamily="50" charset="0"/>
               </a:rPr>
-              <a:t>Identify </a:t>
+              <a:t>by </a:t>
             </a:r>
             <a:r>
               <a:rPr dirty="0">
@@ -4531,7 +5319,20 @@
                 <a:latin typeface="Adobe Gurmukhi" panose="01010101010101010101" pitchFamily="50" charset="0"/>
                 <a:cs typeface="Adobe Gurmukhi" panose="01010101010101010101" pitchFamily="50" charset="0"/>
               </a:rPr>
-              <a:t>top content-contributing </a:t>
+              <a:t>Country</a:t>
+            </a:r>
+          </a:p>
+          <a:p>
+            <a:pPr lvl="1"/>
+            <a:r>
+              <a:rPr lang="en-US" dirty="0" smtClean="0">
+                <a:solidFill>
+                  <a:schemeClr val="bg1"/>
+                </a:solidFill>
+                <a:latin typeface="Adobe Gurmukhi" panose="01010101010101010101" pitchFamily="50" charset="0"/>
+                <a:cs typeface="Adobe Gurmukhi" panose="01010101010101010101" pitchFamily="50" charset="0"/>
+              </a:rPr>
+              <a:t>Shows </a:t>
             </a:r>
             <a:r>
               <a:rPr dirty="0" smtClean="0">
@@ -4541,9 +5342,32 @@
                 <a:latin typeface="Adobe Gurmukhi" panose="01010101010101010101" pitchFamily="50" charset="0"/>
                 <a:cs typeface="Adobe Gurmukhi" panose="01010101010101010101" pitchFamily="50" charset="0"/>
               </a:rPr>
-              <a:t>countries</a:t>
-            </a:r>
-            <a:endParaRPr lang="en-US" dirty="0">
+              <a:t>Trends </a:t>
+            </a:r>
+            <a:r>
+              <a:rPr dirty="0">
+                <a:solidFill>
+                  <a:schemeClr val="bg1"/>
+                </a:solidFill>
+                <a:latin typeface="Adobe Gurmukhi" panose="01010101010101010101" pitchFamily="50" charset="0"/>
+                <a:cs typeface="Adobe Gurmukhi" panose="01010101010101010101" pitchFamily="50" charset="0"/>
+              </a:rPr>
+              <a:t>Over Time</a:t>
+            </a:r>
+          </a:p>
+          <a:p>
+            <a:pPr lvl="1"/>
+            <a:r>
+              <a:rPr lang="en-US" dirty="0" smtClean="0">
+                <a:solidFill>
+                  <a:schemeClr val="bg1"/>
+                </a:solidFill>
+                <a:latin typeface="Adobe Gurmukhi" panose="01010101010101010101" pitchFamily="50" charset="0"/>
+                <a:cs typeface="Adobe Gurmukhi" panose="01010101010101010101" pitchFamily="50" charset="0"/>
+              </a:rPr>
+              <a:t>Count of countries by Rating</a:t>
+            </a:r>
+            <a:endParaRPr dirty="0">
               <a:solidFill>
                 <a:schemeClr val="bg1"/>
               </a:solidFill>
@@ -4561,18 +5385,25 @@
                 <a:latin typeface="Adobe Gurmukhi" panose="01010101010101010101" pitchFamily="50" charset="0"/>
                 <a:cs typeface="Adobe Gurmukhi" panose="01010101010101010101" pitchFamily="50" charset="0"/>
               </a:rPr>
-              <a:t>Guide </a:t>
-            </a:r>
-            <a:r>
-              <a:rPr dirty="0">
-                <a:solidFill>
-                  <a:schemeClr val="bg1"/>
-                </a:solidFill>
-                <a:latin typeface="Adobe Gurmukhi" panose="01010101010101010101" pitchFamily="50" charset="0"/>
-                <a:cs typeface="Adobe Gurmukhi" panose="01010101010101010101" pitchFamily="50" charset="0"/>
-              </a:rPr>
-              <a:t>content acquisition and localization efforts</a:t>
-            </a:r>
+              <a:t>Top Genres</a:t>
+            </a:r>
+            <a:r>
+              <a:rPr lang="en-US" dirty="0" smtClean="0">
+                <a:solidFill>
+                  <a:schemeClr val="bg1"/>
+                </a:solidFill>
+                <a:latin typeface="Adobe Gurmukhi" panose="01010101010101010101" pitchFamily="50" charset="0"/>
+                <a:cs typeface="Adobe Gurmukhi" panose="01010101010101010101" pitchFamily="50" charset="0"/>
+              </a:rPr>
+              <a:t> by Rating</a:t>
+            </a:r>
+            <a:endParaRPr dirty="0">
+              <a:solidFill>
+                <a:schemeClr val="bg1"/>
+              </a:solidFill>
+              <a:latin typeface="Adobe Gurmukhi" panose="01010101010101010101" pitchFamily="50" charset="0"/>
+              <a:cs typeface="Adobe Gurmukhi" panose="01010101010101010101" pitchFamily="50" charset="0"/>
+            </a:endParaRPr>
           </a:p>
         </p:txBody>
       </p:sp>
@@ -4581,6 +5412,13 @@
   <p:clrMapOvr>
     <a:masterClrMapping/>
   </p:clrMapOvr>
+  <p:timing>
+    <p:tnLst>
+      <p:par>
+        <p:cTn id="1" dur="indefinite" restart="never" nodeType="tmRoot"/>
+      </p:par>
+    </p:tnLst>
+  </p:timing>
 </p:sld>
 </file>
 
@@ -4617,109 +5455,61 @@
           <a:lstStyle/>
           <a:p>
             <a:r>
-              <a:rPr b="1" dirty="0">
-                <a:solidFill>
-                  <a:schemeClr val="bg1"/>
-                </a:solidFill>
-              </a:rPr>
-              <a:t>Content Evolution Over Time</a:t>
-            </a:r>
-          </a:p>
-        </p:txBody>
-      </p:sp>
-      <p:sp>
-        <p:nvSpPr>
-          <p:cNvPr id="3" name="Content Placeholder 2"/>
-          <p:cNvSpPr>
-            <a:spLocks noGrp="1"/>
-          </p:cNvSpPr>
+              <a:rPr lang="en-IN" b="1" dirty="0">
+                <a:solidFill>
+                  <a:schemeClr val="bg1"/>
+                </a:solidFill>
+                <a:latin typeface="Adobe Gurmukhi" panose="01010101010101010101" pitchFamily="50" charset="0"/>
+                <a:cs typeface="Adobe Gurmukhi" panose="01010101010101010101" pitchFamily="50" charset="0"/>
+              </a:rPr>
+              <a:t>Power BI Dashboard</a:t>
+            </a:r>
+          </a:p>
+        </p:txBody>
+      </p:sp>
+      <p:pic>
+        <p:nvPicPr>
+          <p:cNvPr id="4" name="Content Placeholder 3"/>
+          <p:cNvPicPr>
+            <a:picLocks noGrp="1" noChangeAspect="1"/>
+          </p:cNvPicPr>
           <p:nvPr>
             <p:ph idx="1"/>
           </p:nvPr>
-        </p:nvSpPr>
-        <p:spPr/>
-        <p:txBody>
-          <a:bodyPr/>
-          <a:lstStyle/>
-          <a:p>
-            <a:r>
-              <a:rPr dirty="0">
-                <a:solidFill>
-                  <a:schemeClr val="bg1"/>
-                </a:solidFill>
-                <a:latin typeface="Adobe Gurmukhi" panose="01010101010101010101" pitchFamily="50" charset="0"/>
-                <a:cs typeface="Adobe Gurmukhi" panose="01010101010101010101" pitchFamily="50" charset="0"/>
-              </a:rPr>
-              <a:t>- Objective: Understand the number of shows/movies released per year</a:t>
-            </a:r>
-          </a:p>
-          <a:p>
-            <a:r>
-              <a:rPr dirty="0">
-                <a:solidFill>
-                  <a:schemeClr val="bg1"/>
-                </a:solidFill>
-                <a:latin typeface="Adobe Gurmukhi" panose="01010101010101010101" pitchFamily="50" charset="0"/>
-                <a:cs typeface="Adobe Gurmukhi" panose="01010101010101010101" pitchFamily="50" charset="0"/>
-              </a:rPr>
-              <a:t>- Visualization: Time-series chart of content release trends</a:t>
-            </a:r>
-          </a:p>
-          <a:p>
-            <a:r>
-              <a:rPr dirty="0">
-                <a:solidFill>
-                  <a:schemeClr val="bg1"/>
-                </a:solidFill>
-                <a:latin typeface="Adobe Gurmukhi" panose="01010101010101010101" pitchFamily="50" charset="0"/>
-                <a:cs typeface="Adobe Gurmukhi" panose="01010101010101010101" pitchFamily="50" charset="0"/>
-              </a:rPr>
-              <a:t>- Insights:</a:t>
-            </a:r>
-          </a:p>
-          <a:p>
-            <a:r>
-              <a:rPr dirty="0">
-                <a:solidFill>
-                  <a:schemeClr val="bg1"/>
-                </a:solidFill>
-                <a:latin typeface="Adobe Gurmukhi" panose="01010101010101010101" pitchFamily="50" charset="0"/>
-                <a:cs typeface="Adobe Gurmukhi" panose="01010101010101010101" pitchFamily="50" charset="0"/>
-              </a:rPr>
-              <a:t>  • Peak content release years</a:t>
-            </a:r>
-          </a:p>
-          <a:p>
-            <a:r>
-              <a:rPr dirty="0">
-                <a:solidFill>
-                  <a:schemeClr val="bg1"/>
-                </a:solidFill>
-                <a:latin typeface="Adobe Gurmukhi" panose="01010101010101010101" pitchFamily="50" charset="0"/>
-                <a:cs typeface="Adobe Gurmukhi" panose="01010101010101010101" pitchFamily="50" charset="0"/>
-              </a:rPr>
-              <a:t>  • Changes in production trends over time</a:t>
-            </a:r>
-          </a:p>
-          <a:p>
-            <a:r>
-              <a:rPr dirty="0">
-                <a:solidFill>
-                  <a:schemeClr val="bg1"/>
-                </a:solidFill>
-                <a:latin typeface="Adobe Gurmukhi" panose="01010101010101010101" pitchFamily="50" charset="0"/>
-                <a:cs typeface="Adobe Gurmukhi" panose="01010101010101010101" pitchFamily="50" charset="0"/>
-              </a:rPr>
-              <a:t>  • Forecasting future content strategies</a:t>
-            </a:r>
-          </a:p>
-        </p:txBody>
-      </p:sp>
+        </p:nvPicPr>
+        <p:blipFill>
+          <a:blip r:embed="rId2"/>
+          <a:stretch>
+            <a:fillRect/>
+          </a:stretch>
+        </p:blipFill>
+        <p:spPr>
+          <a:xfrm>
+            <a:off x="2579145" y="1303506"/>
+            <a:ext cx="9208589" cy="5118441"/>
+          </a:xfrm>
+          <a:prstGeom prst="rect">
+            <a:avLst/>
+          </a:prstGeom>
+        </p:spPr>
+      </p:pic>
     </p:spTree>
+    <p:extLst>
+      <p:ext uri="{BB962C8B-B14F-4D97-AF65-F5344CB8AC3E}">
+        <p14:creationId xmlns:p14="http://schemas.microsoft.com/office/powerpoint/2010/main" val="3054928547"/>
+      </p:ext>
+    </p:extLst>
   </p:cSld>
   <p:clrMapOvr>
     <a:masterClrMapping/>
   </p:clrMapOvr>
+  <p:timing>
+    <p:tnLst>
+      <p:par>
+        <p:cTn id="1" dur="indefinite" restart="never" nodeType="tmRoot"/>
+      </p:par>
+    </p:tnLst>
+  </p:timing>
 </p:sld>
 </file>
 
@@ -4756,87 +5546,69 @@
           <a:lstStyle/>
           <a:p>
             <a:r>
-              <a:rPr b="1" dirty="0">
-                <a:solidFill>
-                  <a:schemeClr val="bg1"/>
-                </a:solidFill>
-              </a:rPr>
-              <a:t>Genre Popularity Analysis</a:t>
-            </a:r>
-          </a:p>
-        </p:txBody>
-      </p:sp>
-      <p:sp>
-        <p:nvSpPr>
-          <p:cNvPr id="3" name="Content Placeholder 2"/>
-          <p:cNvSpPr>
-            <a:spLocks noGrp="1"/>
-          </p:cNvSpPr>
-          <p:nvPr>
-            <p:ph idx="1"/>
-          </p:nvPr>
-        </p:nvSpPr>
-        <p:spPr/>
-        <p:txBody>
-          <a:bodyPr/>
-          <a:lstStyle/>
-          <a:p>
-            <a:r>
-              <a:rPr dirty="0">
-                <a:solidFill>
-                  <a:schemeClr val="bg1"/>
-                </a:solidFill>
-              </a:rPr>
-              <a:t>- Objective: Identify the most-watched and available genres</a:t>
-            </a:r>
-          </a:p>
-          <a:p>
-            <a:r>
-              <a:rPr dirty="0">
-                <a:solidFill>
-                  <a:schemeClr val="bg1"/>
-                </a:solidFill>
-              </a:rPr>
-              <a:t>- Visualization: Pie chart or bar graph showing genre distribution</a:t>
-            </a:r>
-          </a:p>
-          <a:p>
-            <a:r>
-              <a:rPr dirty="0">
-                <a:solidFill>
-                  <a:schemeClr val="bg1"/>
-                </a:solidFill>
-              </a:rPr>
-              <a:t>- Insights:</a:t>
-            </a:r>
-          </a:p>
-          <a:p>
-            <a:r>
-              <a:rPr dirty="0">
-                <a:solidFill>
-                  <a:schemeClr val="bg1"/>
-                </a:solidFill>
-              </a:rPr>
-              <a:t>  • Most popular genres based on availability</a:t>
-            </a:r>
-          </a:p>
-          <a:p>
-            <a:r>
-              <a:rPr dirty="0">
-                <a:solidFill>
-                  <a:schemeClr val="bg1"/>
-                </a:solidFill>
-              </a:rPr>
-              <a:t>  • Helps in content acquisition and recommendations</a:t>
-            </a:r>
-          </a:p>
-        </p:txBody>
-      </p:sp>
+              <a:rPr lang="en-IN" b="1" dirty="0" err="1">
+                <a:solidFill>
+                  <a:schemeClr val="bg1"/>
+                </a:solidFill>
+                <a:latin typeface="Adobe Gurmukhi" panose="01010101010101010101" pitchFamily="50" charset="0"/>
+                <a:cs typeface="Adobe Gurmukhi" panose="01010101010101010101" pitchFamily="50" charset="0"/>
+              </a:rPr>
+              <a:t>PowerApps</a:t>
+            </a:r>
+            <a:r>
+              <a:rPr lang="en-IN" b="1" dirty="0">
+                <a:solidFill>
+                  <a:schemeClr val="bg1"/>
+                </a:solidFill>
+                <a:latin typeface="Adobe Gurmukhi" panose="01010101010101010101" pitchFamily="50" charset="0"/>
+                <a:cs typeface="Adobe Gurmukhi" panose="01010101010101010101" pitchFamily="50" charset="0"/>
+              </a:rPr>
+              <a:t> Application</a:t>
+            </a:r>
+          </a:p>
+        </p:txBody>
+      </p:sp>
+      <p:pic>
+        <p:nvPicPr>
+          <p:cNvPr id="8" name="Picture 7" descr="image.png"/>
+          <p:cNvPicPr>
+            <a:picLocks noChangeAspect="1"/>
+          </p:cNvPicPr>
+          <p:nvPr/>
+        </p:nvPicPr>
+        <p:blipFill>
+          <a:blip r:embed="rId2"/>
+          <a:stretch>
+            <a:fillRect/>
+          </a:stretch>
+        </p:blipFill>
+        <p:spPr>
+          <a:xfrm>
+            <a:off x="2743201" y="1518580"/>
+            <a:ext cx="9134272" cy="5107255"/>
+          </a:xfrm>
+          <a:prstGeom prst="rect">
+            <a:avLst/>
+          </a:prstGeom>
+        </p:spPr>
+      </p:pic>
     </p:spTree>
+    <p:extLst>
+      <p:ext uri="{BB962C8B-B14F-4D97-AF65-F5344CB8AC3E}">
+        <p14:creationId xmlns:p14="http://schemas.microsoft.com/office/powerpoint/2010/main" val="3136858843"/>
+      </p:ext>
+    </p:extLst>
   </p:cSld>
   <p:clrMapOvr>
     <a:masterClrMapping/>
   </p:clrMapOvr>
+  <p:timing>
+    <p:tnLst>
+      <p:par>
+        <p:cTn id="1" dur="indefinite" restart="never" nodeType="tmRoot"/>
+      </p:par>
+    </p:tnLst>
+  </p:timing>
 </p:sld>
 </file>
 
@@ -4879,6 +5651,8 @@
                 <a:solidFill>
                   <a:schemeClr val="bg1"/>
                 </a:solidFill>
+                <a:latin typeface="Adobe Gurmukhi" panose="01010101010101010101" pitchFamily="50" charset="0"/>
+                <a:cs typeface="Adobe Gurmukhi" panose="01010101010101010101" pitchFamily="50" charset="0"/>
               </a:rPr>
               <a:t>Power Automate &amp; </a:t>
             </a:r>
@@ -4887,6 +5661,8 @@
                 <a:solidFill>
                   <a:schemeClr val="bg1"/>
                 </a:solidFill>
+                <a:latin typeface="Adobe Gurmukhi" panose="01010101010101010101" pitchFamily="50" charset="0"/>
+                <a:cs typeface="Adobe Gurmukhi" panose="01010101010101010101" pitchFamily="50" charset="0"/>
               </a:rPr>
               <a:t>PowerApps</a:t>
             </a:r>
@@ -4895,6 +5671,8 @@
                 <a:solidFill>
                   <a:schemeClr val="bg1"/>
                 </a:solidFill>
+                <a:latin typeface="Adobe Gurmukhi" panose="01010101010101010101" pitchFamily="50" charset="0"/>
+                <a:cs typeface="Adobe Gurmukhi" panose="01010101010101010101" pitchFamily="50" charset="0"/>
               </a:rPr>
               <a:t> Integration</a:t>
             </a:r>
@@ -4911,86 +5689,121 @@
             <p:ph idx="1"/>
           </p:nvPr>
         </p:nvSpPr>
-        <p:spPr/>
+        <p:spPr>
+          <a:xfrm>
+            <a:off x="2684834" y="1600201"/>
+            <a:ext cx="8897565" cy="4525963"/>
+          </a:xfrm>
+        </p:spPr>
         <p:txBody>
           <a:bodyPr>
-            <a:normAutofit/>
+            <a:normAutofit fontScale="92500" lnSpcReduction="10000"/>
           </a:bodyPr>
           <a:lstStyle/>
           <a:p>
             <a:r>
+              <a:rPr dirty="0" smtClean="0">
+                <a:solidFill>
+                  <a:schemeClr val="bg1"/>
+                </a:solidFill>
+                <a:latin typeface="Adobe Gurmukhi" panose="01010101010101010101" pitchFamily="50" charset="0"/>
+                <a:cs typeface="Adobe Gurmukhi" panose="01010101010101010101" pitchFamily="50" charset="0"/>
+              </a:rPr>
+              <a:t>Power </a:t>
+            </a:r>
+            <a:r>
               <a:rPr dirty="0">
                 <a:solidFill>
                   <a:schemeClr val="bg1"/>
                 </a:solidFill>
-              </a:rPr>
-              <a:t>- Power Automate Use Case:</a:t>
-            </a:r>
-          </a:p>
-          <a:p>
+                <a:latin typeface="Adobe Gurmukhi" panose="01010101010101010101" pitchFamily="50" charset="0"/>
+                <a:cs typeface="Adobe Gurmukhi" panose="01010101010101010101" pitchFamily="50" charset="0"/>
+              </a:rPr>
+              <a:t>Automate Use Case:</a:t>
+            </a:r>
+          </a:p>
+          <a:p>
+            <a:pPr lvl="1"/>
+            <a:r>
+              <a:rPr lang="en-US" dirty="0">
+                <a:solidFill>
+                  <a:schemeClr val="bg1"/>
+                </a:solidFill>
+                <a:latin typeface="Adobe Gurmukhi" panose="01010101010101010101" pitchFamily="50" charset="0"/>
+                <a:cs typeface="Adobe Gurmukhi" panose="01010101010101010101" pitchFamily="50" charset="0"/>
+              </a:rPr>
+              <a:t>Power Automate generates Excel reports from Power BI and sends them via email automatically, ensuring seamless data distribution.</a:t>
+            </a:r>
+          </a:p>
+          <a:p>
+            <a:r>
+              <a:rPr dirty="0" err="1" smtClean="0">
+                <a:solidFill>
+                  <a:schemeClr val="bg1"/>
+                </a:solidFill>
+                <a:latin typeface="Adobe Gurmukhi" panose="01010101010101010101" pitchFamily="50" charset="0"/>
+                <a:cs typeface="Adobe Gurmukhi" panose="01010101010101010101" pitchFamily="50" charset="0"/>
+              </a:rPr>
+              <a:t>PowerApps</a:t>
+            </a:r>
+            <a:r>
+              <a:rPr dirty="0" smtClean="0">
+                <a:solidFill>
+                  <a:schemeClr val="bg1"/>
+                </a:solidFill>
+                <a:latin typeface="Adobe Gurmukhi" panose="01010101010101010101" pitchFamily="50" charset="0"/>
+                <a:cs typeface="Adobe Gurmukhi" panose="01010101010101010101" pitchFamily="50" charset="0"/>
+              </a:rPr>
+              <a:t> </a:t>
+            </a:r>
             <a:r>
               <a:rPr dirty="0">
                 <a:solidFill>
                   <a:schemeClr val="bg1"/>
                 </a:solidFill>
-              </a:rPr>
-              <a:t>  • Automated data refresh for real-time updates</a:t>
-            </a:r>
-          </a:p>
-          <a:p>
-            <a:r>
-              <a:rPr dirty="0">
-                <a:solidFill>
-                  <a:schemeClr val="bg1"/>
-                </a:solidFill>
-              </a:rPr>
-              <a:t>  • Email alerts for newly added content</a:t>
-            </a:r>
-          </a:p>
-          <a:p>
-            <a:r>
-              <a:rPr dirty="0">
-                <a:solidFill>
-                  <a:schemeClr val="bg1"/>
-                </a:solidFill>
-              </a:rPr>
-              <a:t>- </a:t>
-            </a:r>
-            <a:r>
-              <a:rPr dirty="0" err="1">
-                <a:solidFill>
-                  <a:schemeClr val="bg1"/>
-                </a:solidFill>
-              </a:rPr>
-              <a:t>PowerApps</a:t>
-            </a:r>
-            <a:r>
-              <a:rPr dirty="0">
-                <a:solidFill>
-                  <a:schemeClr val="bg1"/>
-                </a:solidFill>
-              </a:rPr>
-              <a:t> Use Case:</a:t>
-            </a:r>
-          </a:p>
-          <a:p>
-            <a:r>
-              <a:rPr dirty="0">
-                <a:solidFill>
-                  <a:schemeClr val="bg1"/>
-                </a:solidFill>
-              </a:rPr>
-              <a:t>  • Interactive application for filtering/searching content</a:t>
-            </a:r>
-          </a:p>
-          <a:p>
-            <a:r>
-              <a:rPr dirty="0">
-                <a:solidFill>
-                  <a:schemeClr val="bg1"/>
-                </a:solidFill>
-              </a:rPr>
-              <a:t>  • User-friendly app for decision-makers to explore content data</a:t>
+                <a:latin typeface="Adobe Gurmukhi" panose="01010101010101010101" pitchFamily="50" charset="0"/>
+                <a:cs typeface="Adobe Gurmukhi" panose="01010101010101010101" pitchFamily="50" charset="0"/>
+              </a:rPr>
+              <a:t>Use Case:</a:t>
+            </a:r>
+          </a:p>
+          <a:p>
+            <a:pPr lvl="1"/>
+            <a:r>
+              <a:rPr lang="en-US" dirty="0">
+                <a:solidFill>
+                  <a:schemeClr val="bg1"/>
+                </a:solidFill>
+                <a:latin typeface="Adobe Gurmukhi" panose="01010101010101010101" pitchFamily="50" charset="0"/>
+                <a:cs typeface="Adobe Gurmukhi" panose="01010101010101010101" pitchFamily="50" charset="0"/>
+              </a:rPr>
+              <a:t>Allows users to search and filter Netflix content dynamically.</a:t>
+            </a:r>
+          </a:p>
+          <a:p>
+            <a:pPr lvl="1"/>
+            <a:r>
+              <a:rPr lang="en-US" dirty="0">
+                <a:solidFill>
+                  <a:schemeClr val="bg1"/>
+                </a:solidFill>
+                <a:latin typeface="Adobe Gurmukhi" panose="01010101010101010101" pitchFamily="50" charset="0"/>
+                <a:cs typeface="Adobe Gurmukhi" panose="01010101010101010101" pitchFamily="50" charset="0"/>
+              </a:rPr>
+              <a:t>Clicking on a record displays detailed insights on a separate screen.</a:t>
+            </a:r>
+          </a:p>
+          <a:p>
+            <a:pPr lvl="1"/>
+            <a:r>
+              <a:rPr lang="en-US" dirty="0">
+                <a:solidFill>
+                  <a:schemeClr val="bg1"/>
+                </a:solidFill>
+                <a:latin typeface="Adobe Gurmukhi" panose="01010101010101010101" pitchFamily="50" charset="0"/>
+                <a:cs typeface="Adobe Gurmukhi" panose="01010101010101010101" pitchFamily="50" charset="0"/>
+              </a:rPr>
+              <a:t>Seamlessly integrates an embedded Power BI dashboard for data-driven exploration.</a:t>
             </a:r>
           </a:p>
         </p:txBody>
@@ -5000,6 +5813,13 @@
   <p:clrMapOvr>
     <a:masterClrMapping/>
   </p:clrMapOvr>
+  <p:timing>
+    <p:tnLst>
+      <p:par>
+        <p:cTn id="1" dur="indefinite" restart="never" nodeType="tmRoot"/>
+      </p:par>
+    </p:tnLst>
+  </p:timing>
 </p:sld>
 </file>
 
@@ -5032,19 +5852,26 @@
         </p:nvSpPr>
         <p:spPr/>
         <p:txBody>
-          <a:bodyPr>
-            <a:normAutofit/>
-          </a:bodyPr>
-          <a:lstStyle/>
-          <a:p>
-            <a:r>
-              <a:rPr b="1" dirty="0">
-                <a:solidFill>
-                  <a:schemeClr val="bg1"/>
-                </a:solidFill>
-              </a:rPr>
-              <a:t>Key Insights &amp; Business Impact</a:t>
-            </a:r>
+          <a:bodyPr/>
+          <a:lstStyle/>
+          <a:p>
+            <a:r>
+              <a:rPr lang="en-US" b="1" dirty="0" smtClean="0">
+                <a:solidFill>
+                  <a:schemeClr val="bg1"/>
+                </a:solidFill>
+                <a:latin typeface="Adobe Gurmukhi" panose="01010101010101010101" pitchFamily="50" charset="0"/>
+                <a:cs typeface="Adobe Gurmukhi" panose="01010101010101010101" pitchFamily="50" charset="0"/>
+              </a:rPr>
+              <a:t>Workflow Overview</a:t>
+            </a:r>
+            <a:endParaRPr lang="en-IN" b="1" dirty="0">
+              <a:solidFill>
+                <a:schemeClr val="bg1"/>
+              </a:solidFill>
+              <a:latin typeface="Adobe Gurmukhi" panose="01010101010101010101" pitchFamily="50" charset="0"/>
+              <a:cs typeface="Adobe Gurmukhi" panose="01010101010101010101" pitchFamily="50" charset="0"/>
+            </a:endParaRPr>
           </a:p>
         </p:txBody>
       </p:sp>
@@ -5058,89 +5885,166 @@
             <p:ph idx="1"/>
           </p:nvPr>
         </p:nvSpPr>
-        <p:spPr/>
-        <p:txBody>
-          <a:bodyPr>
-            <a:normAutofit lnSpcReduction="10000"/>
-          </a:bodyPr>
-          <a:lstStyle/>
-          <a:p>
-            <a:r>
-              <a:rPr dirty="0">
-                <a:solidFill>
-                  <a:schemeClr val="bg1"/>
-                </a:solidFill>
-              </a:rPr>
-              <a:t>- Major Findings:</a:t>
-            </a:r>
-          </a:p>
-          <a:p>
-            <a:r>
-              <a:rPr dirty="0">
-                <a:solidFill>
-                  <a:schemeClr val="bg1"/>
-                </a:solidFill>
-              </a:rPr>
-              <a:t>  • Content is highly concentrated in specific regions</a:t>
-            </a:r>
-          </a:p>
-          <a:p>
-            <a:r>
-              <a:rPr dirty="0">
-                <a:solidFill>
-                  <a:schemeClr val="bg1"/>
-                </a:solidFill>
-              </a:rPr>
-              <a:t>  • Increasing demand for certain genres</a:t>
-            </a:r>
-          </a:p>
-          <a:p>
-            <a:r>
-              <a:rPr dirty="0">
-                <a:solidFill>
-                  <a:schemeClr val="bg1"/>
-                </a:solidFill>
-              </a:rPr>
-              <a:t>  • Significant shifts in content production over time</a:t>
-            </a:r>
-          </a:p>
-          <a:p>
-            <a:r>
-              <a:rPr dirty="0">
-                <a:solidFill>
-                  <a:schemeClr val="bg1"/>
-                </a:solidFill>
-              </a:rPr>
-              <a:t>- Impact:</a:t>
-            </a:r>
-          </a:p>
-          <a:p>
-            <a:r>
-              <a:rPr dirty="0">
-                <a:solidFill>
-                  <a:schemeClr val="bg1"/>
-                </a:solidFill>
-              </a:rPr>
-              <a:t>  • Supports Netflix in making data-driven content investments</a:t>
-            </a:r>
-          </a:p>
-          <a:p>
-            <a:r>
-              <a:rPr dirty="0">
-                <a:solidFill>
-                  <a:schemeClr val="bg1"/>
-                </a:solidFill>
-              </a:rPr>
-              <a:t>  • Enhances user engagement through targeted content strategies</a:t>
-            </a:r>
+        <p:spPr>
+          <a:xfrm>
+            <a:off x="2675106" y="1600201"/>
+            <a:ext cx="8907294" cy="4525963"/>
+          </a:xfrm>
+        </p:spPr>
+        <p:txBody>
+          <a:bodyPr/>
+          <a:lstStyle/>
+          <a:p>
+            <a:pPr marL="0" indent="0">
+              <a:buNone/>
+            </a:pPr>
+            <a:r>
+              <a:rPr lang="en-US" dirty="0">
+                <a:solidFill>
+                  <a:schemeClr val="bg1"/>
+                </a:solidFill>
+                <a:latin typeface="Adobe Gurmukhi" panose="01010101010101010101" pitchFamily="50" charset="0"/>
+                <a:cs typeface="Adobe Gurmukhi" panose="01010101010101010101" pitchFamily="50" charset="0"/>
+              </a:rPr>
+              <a:t>1. </a:t>
+            </a:r>
+            <a:r>
+              <a:rPr lang="en-US" b="1" dirty="0" err="1">
+                <a:solidFill>
+                  <a:schemeClr val="bg1"/>
+                </a:solidFill>
+                <a:latin typeface="Adobe Gurmukhi" panose="01010101010101010101" pitchFamily="50" charset="0"/>
+                <a:cs typeface="Adobe Gurmukhi" panose="01010101010101010101" pitchFamily="50" charset="0"/>
+              </a:rPr>
+              <a:t>PowerApps</a:t>
+            </a:r>
+            <a:r>
+              <a:rPr lang="en-US" b="1" dirty="0">
+                <a:solidFill>
+                  <a:schemeClr val="bg1"/>
+                </a:solidFill>
+                <a:latin typeface="Adobe Gurmukhi" panose="01010101010101010101" pitchFamily="50" charset="0"/>
+                <a:cs typeface="Adobe Gurmukhi" panose="01010101010101010101" pitchFamily="50" charset="0"/>
+              </a:rPr>
+              <a:t>: </a:t>
+            </a:r>
+            <a:r>
+              <a:rPr lang="en-US" dirty="0">
+                <a:solidFill>
+                  <a:schemeClr val="bg1"/>
+                </a:solidFill>
+                <a:latin typeface="Adobe Gurmukhi" panose="01010101010101010101" pitchFamily="50" charset="0"/>
+                <a:cs typeface="Adobe Gurmukhi" panose="01010101010101010101" pitchFamily="50" charset="0"/>
+              </a:rPr>
+              <a:t>Users search and filter Netflix content.</a:t>
+            </a:r>
+          </a:p>
+          <a:p>
+            <a:pPr marL="0" indent="0">
+              <a:buNone/>
+            </a:pPr>
+            <a:r>
+              <a:rPr lang="en-US" dirty="0">
+                <a:solidFill>
+                  <a:schemeClr val="bg1"/>
+                </a:solidFill>
+                <a:latin typeface="Adobe Gurmukhi" panose="01010101010101010101" pitchFamily="50" charset="0"/>
+                <a:cs typeface="Adobe Gurmukhi" panose="01010101010101010101" pitchFamily="50" charset="0"/>
+              </a:rPr>
+              <a:t>2. </a:t>
+            </a:r>
+            <a:r>
+              <a:rPr lang="en-US" b="1" dirty="0">
+                <a:solidFill>
+                  <a:schemeClr val="bg1"/>
+                </a:solidFill>
+                <a:latin typeface="Adobe Gurmukhi" panose="01010101010101010101" pitchFamily="50" charset="0"/>
+                <a:cs typeface="Adobe Gurmukhi" panose="01010101010101010101" pitchFamily="50" charset="0"/>
+              </a:rPr>
+              <a:t>Power BI: </a:t>
+            </a:r>
+            <a:r>
+              <a:rPr lang="en-US" dirty="0">
+                <a:solidFill>
+                  <a:schemeClr val="bg1"/>
+                </a:solidFill>
+                <a:latin typeface="Adobe Gurmukhi" panose="01010101010101010101" pitchFamily="50" charset="0"/>
+                <a:cs typeface="Adobe Gurmukhi" panose="01010101010101010101" pitchFamily="50" charset="0"/>
+              </a:rPr>
+              <a:t>Provides insights with interactive dashboards.</a:t>
+            </a:r>
+          </a:p>
+          <a:p>
+            <a:pPr marL="0" indent="0">
+              <a:buNone/>
+            </a:pPr>
+            <a:r>
+              <a:rPr lang="en-US" dirty="0">
+                <a:solidFill>
+                  <a:schemeClr val="bg1"/>
+                </a:solidFill>
+                <a:latin typeface="Adobe Gurmukhi" panose="01010101010101010101" pitchFamily="50" charset="0"/>
+                <a:cs typeface="Adobe Gurmukhi" panose="01010101010101010101" pitchFamily="50" charset="0"/>
+              </a:rPr>
+              <a:t>3. </a:t>
+            </a:r>
+            <a:r>
+              <a:rPr lang="en-US" b="1" dirty="0">
+                <a:solidFill>
+                  <a:schemeClr val="bg1"/>
+                </a:solidFill>
+                <a:latin typeface="Adobe Gurmukhi" panose="01010101010101010101" pitchFamily="50" charset="0"/>
+                <a:cs typeface="Adobe Gurmukhi" panose="01010101010101010101" pitchFamily="50" charset="0"/>
+              </a:rPr>
+              <a:t>Power Automate: </a:t>
+            </a:r>
+            <a:r>
+              <a:rPr lang="en-US" dirty="0">
+                <a:solidFill>
+                  <a:schemeClr val="bg1"/>
+                </a:solidFill>
+                <a:latin typeface="Adobe Gurmukhi" panose="01010101010101010101" pitchFamily="50" charset="0"/>
+                <a:cs typeface="Adobe Gurmukhi" panose="01010101010101010101" pitchFamily="50" charset="0"/>
+              </a:rPr>
+              <a:t>Automates report generation and email delivery</a:t>
+            </a:r>
+            <a:r>
+              <a:rPr lang="en-US" dirty="0" smtClean="0">
+                <a:solidFill>
+                  <a:schemeClr val="bg1"/>
+                </a:solidFill>
+                <a:latin typeface="Adobe Gurmukhi" panose="01010101010101010101" pitchFamily="50" charset="0"/>
+                <a:cs typeface="Adobe Gurmukhi" panose="01010101010101010101" pitchFamily="50" charset="0"/>
+              </a:rPr>
+              <a:t>.</a:t>
+            </a:r>
+            <a:endParaRPr lang="en-US" dirty="0">
+              <a:solidFill>
+                <a:schemeClr val="bg1"/>
+              </a:solidFill>
+              <a:latin typeface="Adobe Gurmukhi" panose="01010101010101010101" pitchFamily="50" charset="0"/>
+              <a:cs typeface="Adobe Gurmukhi" panose="01010101010101010101" pitchFamily="50" charset="0"/>
+            </a:endParaRPr>
           </a:p>
         </p:txBody>
       </p:sp>
     </p:spTree>
+    <p:extLst>
+      <p:ext uri="{BB962C8B-B14F-4D97-AF65-F5344CB8AC3E}">
+        <p14:creationId xmlns:p14="http://schemas.microsoft.com/office/powerpoint/2010/main" val="271722492"/>
+      </p:ext>
+    </p:extLst>
   </p:cSld>
   <p:clrMapOvr>
     <a:masterClrMapping/>
   </p:clrMapOvr>
+  <p:timing>
+    <p:tnLst>
+      <p:par>
+        <p:cTn id="1" dur="indefinite" restart="never" nodeType="tmRoot"/>
+      </p:par>
+    </p:tnLst>
+  </p:timing>
 </p:sld>
 </file>
 
